--- a/images/pinout.pptx
+++ b/images/pinout.pptx
@@ -8,9 +8,9 @@
     <p:notesMasterId r:id="rId5"/>
   </p:notesMasterIdLst>
   <p:sldIdLst>
-    <p:sldId id="256" r:id="rId2"/>
-    <p:sldId id="257" r:id="rId3"/>
-    <p:sldId id="258" r:id="rId4"/>
+    <p:sldId id="257" r:id="rId2"/>
+    <p:sldId id="258" r:id="rId3"/>
+    <p:sldId id="259" r:id="rId4"/>
   </p:sldIdLst>
   <p:sldSz cx="14400213" cy="10799763"/>
   <p:notesSz cx="6858000" cy="9144000"/>
@@ -120,13 +120,681 @@
 <file path=ppt/revisionInfo.xml><?xml version="1.0" encoding="utf-8"?>
 <p1510:revInfo xmlns:a="http://schemas.openxmlformats.org/drawingml/2006/main" xmlns:r="http://schemas.openxmlformats.org/officeDocument/2006/relationships" xmlns:p1510="http://schemas.microsoft.com/office/powerpoint/2015/10/main">
   <p1510:revLst>
-    <p1510:client id="{57B3A85F-266E-4172-9194-F2397BB21314}" v="23" dt="2023-04-22T03:31:13.123"/>
+    <p1510:client id="{44D760B1-647A-4A96-BE88-A80449FA6F1C}" v="72" dt="2023-04-28T17:43:08.312"/>
   </p1510:revLst>
 </p1510:revInfo>
 </file>
 
 <file path=ppt/changesInfos/changesInfo1.xml><?xml version="1.0" encoding="utf-8"?>
 <pc:chgInfo xmlns:a="http://schemas.openxmlformats.org/drawingml/2006/main" xmlns:r="http://schemas.openxmlformats.org/officeDocument/2006/relationships" xmlns:ac="http://schemas.microsoft.com/office/drawing/2013/main/command" xmlns:pc="http://schemas.microsoft.com/office/powerpoint/2013/main/command">
+  <pc:docChgLst>
+    <pc:chgData name="久保寺　真仁" userId="2768f32b-5882-4410-b2b1-7e7a9f4ff427" providerId="ADAL" clId="{44D760B1-647A-4A96-BE88-A80449FA6F1C}"/>
+    <pc:docChg chg="undo redo custSel addSld delSld modSld">
+      <pc:chgData name="久保寺　真仁" userId="2768f32b-5882-4410-b2b1-7e7a9f4ff427" providerId="ADAL" clId="{44D760B1-647A-4A96-BE88-A80449FA6F1C}" dt="2023-04-28T17:44:11.173" v="347" actId="403"/>
+      <pc:docMkLst>
+        <pc:docMk/>
+      </pc:docMkLst>
+      <pc:sldChg chg="del">
+        <pc:chgData name="久保寺　真仁" userId="2768f32b-5882-4410-b2b1-7e7a9f4ff427" providerId="ADAL" clId="{44D760B1-647A-4A96-BE88-A80449FA6F1C}" dt="2023-04-28T16:50:47.932" v="29" actId="47"/>
+        <pc:sldMkLst>
+          <pc:docMk/>
+          <pc:sldMk cId="2149886451" sldId="256"/>
+        </pc:sldMkLst>
+      </pc:sldChg>
+      <pc:sldChg chg="addSp delSp modSp mod">
+        <pc:chgData name="久保寺　真仁" userId="2768f32b-5882-4410-b2b1-7e7a9f4ff427" providerId="ADAL" clId="{44D760B1-647A-4A96-BE88-A80449FA6F1C}" dt="2023-04-28T16:56:23.937" v="84" actId="14100"/>
+        <pc:sldMkLst>
+          <pc:docMk/>
+          <pc:sldMk cId="3159971292" sldId="257"/>
+        </pc:sldMkLst>
+        <pc:spChg chg="mod">
+          <ac:chgData name="久保寺　真仁" userId="2768f32b-5882-4410-b2b1-7e7a9f4ff427" providerId="ADAL" clId="{44D760B1-647A-4A96-BE88-A80449FA6F1C}" dt="2023-04-28T16:56:16.443" v="81" actId="14100"/>
+          <ac:spMkLst>
+            <pc:docMk/>
+            <pc:sldMk cId="3159971292" sldId="257"/>
+            <ac:spMk id="43" creationId="{A7491FC5-64F4-EA95-8B85-C8E2620098D5}"/>
+          </ac:spMkLst>
+        </pc:spChg>
+        <pc:spChg chg="mod">
+          <ac:chgData name="久保寺　真仁" userId="2768f32b-5882-4410-b2b1-7e7a9f4ff427" providerId="ADAL" clId="{44D760B1-647A-4A96-BE88-A80449FA6F1C}" dt="2023-04-28T16:56:23.937" v="84" actId="14100"/>
+          <ac:spMkLst>
+            <pc:docMk/>
+            <pc:sldMk cId="3159971292" sldId="257"/>
+            <ac:spMk id="47" creationId="{8EEAE748-3F0F-379E-A4DD-D32CCF78274C}"/>
+          </ac:spMkLst>
+        </pc:spChg>
+        <pc:spChg chg="mod">
+          <ac:chgData name="久保寺　真仁" userId="2768f32b-5882-4410-b2b1-7e7a9f4ff427" providerId="ADAL" clId="{44D760B1-647A-4A96-BE88-A80449FA6F1C}" dt="2023-04-28T16:56:03.752" v="78" actId="1035"/>
+          <ac:spMkLst>
+            <pc:docMk/>
+            <pc:sldMk cId="3159971292" sldId="257"/>
+            <ac:spMk id="53" creationId="{2056422E-9E28-1A33-AD49-97BFA269C017}"/>
+          </ac:spMkLst>
+        </pc:spChg>
+        <pc:spChg chg="mod">
+          <ac:chgData name="久保寺　真仁" userId="2768f32b-5882-4410-b2b1-7e7a9f4ff427" providerId="ADAL" clId="{44D760B1-647A-4A96-BE88-A80449FA6F1C}" dt="2023-04-28T16:56:03.752" v="78" actId="1035"/>
+          <ac:spMkLst>
+            <pc:docMk/>
+            <pc:sldMk cId="3159971292" sldId="257"/>
+            <ac:spMk id="54" creationId="{49A14FED-3C3E-9DFE-EF52-A994BE53F706}"/>
+          </ac:spMkLst>
+        </pc:spChg>
+        <pc:spChg chg="mod">
+          <ac:chgData name="久保寺　真仁" userId="2768f32b-5882-4410-b2b1-7e7a9f4ff427" providerId="ADAL" clId="{44D760B1-647A-4A96-BE88-A80449FA6F1C}" dt="2023-04-28T16:56:03.752" v="78" actId="1035"/>
+          <ac:spMkLst>
+            <pc:docMk/>
+            <pc:sldMk cId="3159971292" sldId="257"/>
+            <ac:spMk id="55" creationId="{702F5C01-8FEC-51B2-7D40-7D891FD87C7C}"/>
+          </ac:spMkLst>
+        </pc:spChg>
+        <pc:grpChg chg="mod topLvl">
+          <ac:chgData name="久保寺　真仁" userId="2768f32b-5882-4410-b2b1-7e7a9f4ff427" providerId="ADAL" clId="{44D760B1-647A-4A96-BE88-A80449FA6F1C}" dt="2023-04-28T16:55:59.996" v="75" actId="1036"/>
+          <ac:grpSpMkLst>
+            <pc:docMk/>
+            <pc:sldMk cId="3159971292" sldId="257"/>
+            <ac:grpSpMk id="12" creationId="{1B8219D8-8987-C798-9BF8-8CA0055DA260}"/>
+          </ac:grpSpMkLst>
+        </pc:grpChg>
+        <pc:grpChg chg="mod topLvl">
+          <ac:chgData name="久保寺　真仁" userId="2768f32b-5882-4410-b2b1-7e7a9f4ff427" providerId="ADAL" clId="{44D760B1-647A-4A96-BE88-A80449FA6F1C}" dt="2023-04-28T16:55:59.996" v="75" actId="1036"/>
+          <ac:grpSpMkLst>
+            <pc:docMk/>
+            <pc:sldMk cId="3159971292" sldId="257"/>
+            <ac:grpSpMk id="13" creationId="{D64396EA-57E5-F742-FA5F-8C27CE3305CE}"/>
+          </ac:grpSpMkLst>
+        </pc:grpChg>
+        <pc:grpChg chg="mod topLvl">
+          <ac:chgData name="久保寺　真仁" userId="2768f32b-5882-4410-b2b1-7e7a9f4ff427" providerId="ADAL" clId="{44D760B1-647A-4A96-BE88-A80449FA6F1C}" dt="2023-04-28T16:55:59.996" v="75" actId="1036"/>
+          <ac:grpSpMkLst>
+            <pc:docMk/>
+            <pc:sldMk cId="3159971292" sldId="257"/>
+            <ac:grpSpMk id="16" creationId="{648D1058-2FFC-936F-65DF-A3C9CADBC682}"/>
+          </ac:grpSpMkLst>
+        </pc:grpChg>
+        <pc:grpChg chg="mod topLvl">
+          <ac:chgData name="久保寺　真仁" userId="2768f32b-5882-4410-b2b1-7e7a9f4ff427" providerId="ADAL" clId="{44D760B1-647A-4A96-BE88-A80449FA6F1C}" dt="2023-04-28T16:55:59.996" v="75" actId="1036"/>
+          <ac:grpSpMkLst>
+            <pc:docMk/>
+            <pc:sldMk cId="3159971292" sldId="257"/>
+            <ac:grpSpMk id="19" creationId="{285E64BE-1C80-374A-EFC1-FD3FF0E80494}"/>
+          </ac:grpSpMkLst>
+        </pc:grpChg>
+        <pc:grpChg chg="mod topLvl">
+          <ac:chgData name="久保寺　真仁" userId="2768f32b-5882-4410-b2b1-7e7a9f4ff427" providerId="ADAL" clId="{44D760B1-647A-4A96-BE88-A80449FA6F1C}" dt="2023-04-28T16:55:59.996" v="75" actId="1036"/>
+          <ac:grpSpMkLst>
+            <pc:docMk/>
+            <pc:sldMk cId="3159971292" sldId="257"/>
+            <ac:grpSpMk id="22" creationId="{3094AEFC-B224-3D28-D20B-777D7959C20B}"/>
+          </ac:grpSpMkLst>
+        </pc:grpChg>
+        <pc:grpChg chg="add del mod">
+          <ac:chgData name="久保寺　真仁" userId="2768f32b-5882-4410-b2b1-7e7a9f4ff427" providerId="ADAL" clId="{44D760B1-647A-4A96-BE88-A80449FA6F1C}" dt="2023-04-28T16:56:08.331" v="79" actId="1037"/>
+          <ac:grpSpMkLst>
+            <pc:docMk/>
+            <pc:sldMk cId="3159971292" sldId="257"/>
+            <ac:grpSpMk id="26" creationId="{4482ADD7-54FC-E7C3-83FD-FA3D8F22FCB3}"/>
+          </ac:grpSpMkLst>
+        </pc:grpChg>
+        <pc:grpChg chg="mod">
+          <ac:chgData name="久保寺　真仁" userId="2768f32b-5882-4410-b2b1-7e7a9f4ff427" providerId="ADAL" clId="{44D760B1-647A-4A96-BE88-A80449FA6F1C}" dt="2023-04-28T16:56:03.752" v="78" actId="1035"/>
+          <ac:grpSpMkLst>
+            <pc:docMk/>
+            <pc:sldMk cId="3159971292" sldId="257"/>
+            <ac:grpSpMk id="27" creationId="{513839A3-47E2-AAFD-5230-FEC4A637F0EF}"/>
+          </ac:grpSpMkLst>
+        </pc:grpChg>
+        <pc:grpChg chg="mod">
+          <ac:chgData name="久保寺　真仁" userId="2768f32b-5882-4410-b2b1-7e7a9f4ff427" providerId="ADAL" clId="{44D760B1-647A-4A96-BE88-A80449FA6F1C}" dt="2023-04-28T16:55:59.996" v="75" actId="1036"/>
+          <ac:grpSpMkLst>
+            <pc:docMk/>
+            <pc:sldMk cId="3159971292" sldId="257"/>
+            <ac:grpSpMk id="28" creationId="{60F24E87-5E92-E35A-EFFB-5B2093815834}"/>
+          </ac:grpSpMkLst>
+        </pc:grpChg>
+        <pc:grpChg chg="mod">
+          <ac:chgData name="久保寺　真仁" userId="2768f32b-5882-4410-b2b1-7e7a9f4ff427" providerId="ADAL" clId="{44D760B1-647A-4A96-BE88-A80449FA6F1C}" dt="2023-04-28T16:55:59.996" v="75" actId="1036"/>
+          <ac:grpSpMkLst>
+            <pc:docMk/>
+            <pc:sldMk cId="3159971292" sldId="257"/>
+            <ac:grpSpMk id="29" creationId="{542D46C2-3A7D-4A58-81CE-C060F45C1B7C}"/>
+          </ac:grpSpMkLst>
+        </pc:grpChg>
+        <pc:grpChg chg="mod">
+          <ac:chgData name="久保寺　真仁" userId="2768f32b-5882-4410-b2b1-7e7a9f4ff427" providerId="ADAL" clId="{44D760B1-647A-4A96-BE88-A80449FA6F1C}" dt="2023-04-28T16:55:59.996" v="75" actId="1036"/>
+          <ac:grpSpMkLst>
+            <pc:docMk/>
+            <pc:sldMk cId="3159971292" sldId="257"/>
+            <ac:grpSpMk id="30" creationId="{741407C2-A0A1-384C-4D73-0E2FBE4FECDF}"/>
+          </ac:grpSpMkLst>
+        </pc:grpChg>
+        <pc:grpChg chg="mod">
+          <ac:chgData name="久保寺　真仁" userId="2768f32b-5882-4410-b2b1-7e7a9f4ff427" providerId="ADAL" clId="{44D760B1-647A-4A96-BE88-A80449FA6F1C}" dt="2023-04-28T16:55:59.996" v="75" actId="1036"/>
+          <ac:grpSpMkLst>
+            <pc:docMk/>
+            <pc:sldMk cId="3159971292" sldId="257"/>
+            <ac:grpSpMk id="31" creationId="{41414A1F-2DB3-50A0-1193-4C58F0DC5B2F}"/>
+          </ac:grpSpMkLst>
+        </pc:grpChg>
+        <pc:grpChg chg="mod">
+          <ac:chgData name="久保寺　真仁" userId="2768f32b-5882-4410-b2b1-7e7a9f4ff427" providerId="ADAL" clId="{44D760B1-647A-4A96-BE88-A80449FA6F1C}" dt="2023-04-28T16:55:59.996" v="75" actId="1036"/>
+          <ac:grpSpMkLst>
+            <pc:docMk/>
+            <pc:sldMk cId="3159971292" sldId="257"/>
+            <ac:grpSpMk id="32" creationId="{FACB6EBF-8AD8-EADC-C46E-FB87A7C6FDD3}"/>
+          </ac:grpSpMkLst>
+        </pc:grpChg>
+        <pc:picChg chg="del">
+          <ac:chgData name="久保寺　真仁" userId="2768f32b-5882-4410-b2b1-7e7a9f4ff427" providerId="ADAL" clId="{44D760B1-647A-4A96-BE88-A80449FA6F1C}" dt="2023-04-28T16:50:15.699" v="0" actId="478"/>
+          <ac:picMkLst>
+            <pc:docMk/>
+            <pc:sldMk cId="3159971292" sldId="257"/>
+            <ac:picMk id="5" creationId="{8CE77AF9-6A3D-3324-075F-C0E942D6D8C6}"/>
+          </ac:picMkLst>
+        </pc:picChg>
+        <pc:picChg chg="add del mod">
+          <ac:chgData name="久保寺　真仁" userId="2768f32b-5882-4410-b2b1-7e7a9f4ff427" providerId="ADAL" clId="{44D760B1-647A-4A96-BE88-A80449FA6F1C}" dt="2023-04-28T16:51:12.786" v="32" actId="478"/>
+          <ac:picMkLst>
+            <pc:docMk/>
+            <pc:sldMk cId="3159971292" sldId="257"/>
+            <ac:picMk id="1026" creationId="{5289D4DC-882D-09EB-B576-1924D231CA1E}"/>
+          </ac:picMkLst>
+        </pc:picChg>
+        <pc:picChg chg="add mod">
+          <ac:chgData name="久保寺　真仁" userId="2768f32b-5882-4410-b2b1-7e7a9f4ff427" providerId="ADAL" clId="{44D760B1-647A-4A96-BE88-A80449FA6F1C}" dt="2023-04-28T16:55:59.996" v="75" actId="1036"/>
+          <ac:picMkLst>
+            <pc:docMk/>
+            <pc:sldMk cId="3159971292" sldId="257"/>
+            <ac:picMk id="1028" creationId="{0F5E2D94-BB6D-8AAA-044B-6A78DD11D74C}"/>
+          </ac:picMkLst>
+        </pc:picChg>
+        <pc:picChg chg="add del mod">
+          <ac:chgData name="久保寺　真仁" userId="2768f32b-5882-4410-b2b1-7e7a9f4ff427" providerId="ADAL" clId="{44D760B1-647A-4A96-BE88-A80449FA6F1C}" dt="2023-04-28T16:52:44.015" v="48" actId="21"/>
+          <ac:picMkLst>
+            <pc:docMk/>
+            <pc:sldMk cId="3159971292" sldId="257"/>
+            <ac:picMk id="1030" creationId="{1A3FAAC0-7E5F-F0B3-EEDD-6E55816A3F1B}"/>
+          </ac:picMkLst>
+        </pc:picChg>
+        <pc:cxnChg chg="mod">
+          <ac:chgData name="久保寺　真仁" userId="2768f32b-5882-4410-b2b1-7e7a9f4ff427" providerId="ADAL" clId="{44D760B1-647A-4A96-BE88-A80449FA6F1C}" dt="2023-04-28T16:55:59.996" v="75" actId="1036"/>
+          <ac:cxnSpMkLst>
+            <pc:docMk/>
+            <pc:sldMk cId="3159971292" sldId="257"/>
+            <ac:cxnSpMk id="8" creationId="{74462966-82F5-BB94-1814-81E37205C339}"/>
+          </ac:cxnSpMkLst>
+        </pc:cxnChg>
+        <pc:cxnChg chg="mod">
+          <ac:chgData name="久保寺　真仁" userId="2768f32b-5882-4410-b2b1-7e7a9f4ff427" providerId="ADAL" clId="{44D760B1-647A-4A96-BE88-A80449FA6F1C}" dt="2023-04-28T16:55:59.996" v="75" actId="1036"/>
+          <ac:cxnSpMkLst>
+            <pc:docMk/>
+            <pc:sldMk cId="3159971292" sldId="257"/>
+            <ac:cxnSpMk id="9" creationId="{C45BF3AF-0C5E-735E-E569-3C8EEEA55750}"/>
+          </ac:cxnSpMkLst>
+        </pc:cxnChg>
+        <pc:cxnChg chg="mod">
+          <ac:chgData name="久保寺　真仁" userId="2768f32b-5882-4410-b2b1-7e7a9f4ff427" providerId="ADAL" clId="{44D760B1-647A-4A96-BE88-A80449FA6F1C}" dt="2023-04-28T16:55:59.996" v="75" actId="1036"/>
+          <ac:cxnSpMkLst>
+            <pc:docMk/>
+            <pc:sldMk cId="3159971292" sldId="257"/>
+            <ac:cxnSpMk id="14" creationId="{C12CD692-9AC1-3B17-38A7-6282E1B89430}"/>
+          </ac:cxnSpMkLst>
+        </pc:cxnChg>
+        <pc:cxnChg chg="mod">
+          <ac:chgData name="久保寺　真仁" userId="2768f32b-5882-4410-b2b1-7e7a9f4ff427" providerId="ADAL" clId="{44D760B1-647A-4A96-BE88-A80449FA6F1C}" dt="2023-04-28T16:55:59.996" v="75" actId="1036"/>
+          <ac:cxnSpMkLst>
+            <pc:docMk/>
+            <pc:sldMk cId="3159971292" sldId="257"/>
+            <ac:cxnSpMk id="15" creationId="{7D796BA5-CF3C-DB99-8356-E7D54E657757}"/>
+          </ac:cxnSpMkLst>
+        </pc:cxnChg>
+        <pc:cxnChg chg="mod">
+          <ac:chgData name="久保寺　真仁" userId="2768f32b-5882-4410-b2b1-7e7a9f4ff427" providerId="ADAL" clId="{44D760B1-647A-4A96-BE88-A80449FA6F1C}" dt="2023-04-28T16:55:59.996" v="75" actId="1036"/>
+          <ac:cxnSpMkLst>
+            <pc:docMk/>
+            <pc:sldMk cId="3159971292" sldId="257"/>
+            <ac:cxnSpMk id="17" creationId="{4AF6E4B5-D9D2-4637-6976-1531C07DF72A}"/>
+          </ac:cxnSpMkLst>
+        </pc:cxnChg>
+        <pc:cxnChg chg="mod">
+          <ac:chgData name="久保寺　真仁" userId="2768f32b-5882-4410-b2b1-7e7a9f4ff427" providerId="ADAL" clId="{44D760B1-647A-4A96-BE88-A80449FA6F1C}" dt="2023-04-28T16:55:59.996" v="75" actId="1036"/>
+          <ac:cxnSpMkLst>
+            <pc:docMk/>
+            <pc:sldMk cId="3159971292" sldId="257"/>
+            <ac:cxnSpMk id="18" creationId="{C0AB3E4E-A26C-55FA-9622-CA82FAE16B22}"/>
+          </ac:cxnSpMkLst>
+        </pc:cxnChg>
+        <pc:cxnChg chg="mod">
+          <ac:chgData name="久保寺　真仁" userId="2768f32b-5882-4410-b2b1-7e7a9f4ff427" providerId="ADAL" clId="{44D760B1-647A-4A96-BE88-A80449FA6F1C}" dt="2023-04-28T16:55:59.996" v="75" actId="1036"/>
+          <ac:cxnSpMkLst>
+            <pc:docMk/>
+            <pc:sldMk cId="3159971292" sldId="257"/>
+            <ac:cxnSpMk id="20" creationId="{D2E916B4-9920-1E01-D0F9-D1A8CDD16484}"/>
+          </ac:cxnSpMkLst>
+        </pc:cxnChg>
+        <pc:cxnChg chg="mod">
+          <ac:chgData name="久保寺　真仁" userId="2768f32b-5882-4410-b2b1-7e7a9f4ff427" providerId="ADAL" clId="{44D760B1-647A-4A96-BE88-A80449FA6F1C}" dt="2023-04-28T16:55:59.996" v="75" actId="1036"/>
+          <ac:cxnSpMkLst>
+            <pc:docMk/>
+            <pc:sldMk cId="3159971292" sldId="257"/>
+            <ac:cxnSpMk id="21" creationId="{AECA611D-DCF8-BCD0-6AD6-1A41BF0C5639}"/>
+          </ac:cxnSpMkLst>
+        </pc:cxnChg>
+        <pc:cxnChg chg="mod">
+          <ac:chgData name="久保寺　真仁" userId="2768f32b-5882-4410-b2b1-7e7a9f4ff427" providerId="ADAL" clId="{44D760B1-647A-4A96-BE88-A80449FA6F1C}" dt="2023-04-28T16:55:59.996" v="75" actId="1036"/>
+          <ac:cxnSpMkLst>
+            <pc:docMk/>
+            <pc:sldMk cId="3159971292" sldId="257"/>
+            <ac:cxnSpMk id="23" creationId="{67D5E725-F5A0-899A-E6C9-A20259C58CF1}"/>
+          </ac:cxnSpMkLst>
+        </pc:cxnChg>
+        <pc:cxnChg chg="mod">
+          <ac:chgData name="久保寺　真仁" userId="2768f32b-5882-4410-b2b1-7e7a9f4ff427" providerId="ADAL" clId="{44D760B1-647A-4A96-BE88-A80449FA6F1C}" dt="2023-04-28T16:55:59.996" v="75" actId="1036"/>
+          <ac:cxnSpMkLst>
+            <pc:docMk/>
+            <pc:sldMk cId="3159971292" sldId="257"/>
+            <ac:cxnSpMk id="24" creationId="{918E991A-A924-9373-D968-3EB82D7591DC}"/>
+          </ac:cxnSpMkLst>
+        </pc:cxnChg>
+        <pc:cxnChg chg="mod">
+          <ac:chgData name="久保寺　真仁" userId="2768f32b-5882-4410-b2b1-7e7a9f4ff427" providerId="ADAL" clId="{44D760B1-647A-4A96-BE88-A80449FA6F1C}" dt="2023-04-28T16:55:59.996" v="75" actId="1036"/>
+          <ac:cxnSpMkLst>
+            <pc:docMk/>
+            <pc:sldMk cId="3159971292" sldId="257"/>
+            <ac:cxnSpMk id="33" creationId="{CEFD2ACE-6A77-5177-3899-5D65AB7397AC}"/>
+          </ac:cxnSpMkLst>
+        </pc:cxnChg>
+        <pc:cxnChg chg="mod">
+          <ac:chgData name="久保寺　真仁" userId="2768f32b-5882-4410-b2b1-7e7a9f4ff427" providerId="ADAL" clId="{44D760B1-647A-4A96-BE88-A80449FA6F1C}" dt="2023-04-28T16:55:59.996" v="75" actId="1036"/>
+          <ac:cxnSpMkLst>
+            <pc:docMk/>
+            <pc:sldMk cId="3159971292" sldId="257"/>
+            <ac:cxnSpMk id="34" creationId="{4D5B6DC4-9931-C743-C5F2-378AF77526B0}"/>
+          </ac:cxnSpMkLst>
+        </pc:cxnChg>
+        <pc:cxnChg chg="mod">
+          <ac:chgData name="久保寺　真仁" userId="2768f32b-5882-4410-b2b1-7e7a9f4ff427" providerId="ADAL" clId="{44D760B1-647A-4A96-BE88-A80449FA6F1C}" dt="2023-04-28T16:55:59.996" v="75" actId="1036"/>
+          <ac:cxnSpMkLst>
+            <pc:docMk/>
+            <pc:sldMk cId="3159971292" sldId="257"/>
+            <ac:cxnSpMk id="35" creationId="{F2C1BB19-545C-66F9-CF95-FDD33DDE4BC4}"/>
+          </ac:cxnSpMkLst>
+        </pc:cxnChg>
+        <pc:cxnChg chg="mod">
+          <ac:chgData name="久保寺　真仁" userId="2768f32b-5882-4410-b2b1-7e7a9f4ff427" providerId="ADAL" clId="{44D760B1-647A-4A96-BE88-A80449FA6F1C}" dt="2023-04-28T16:55:59.996" v="75" actId="1036"/>
+          <ac:cxnSpMkLst>
+            <pc:docMk/>
+            <pc:sldMk cId="3159971292" sldId="257"/>
+            <ac:cxnSpMk id="36" creationId="{D687A691-3A8B-041F-CECE-BAE423B3845E}"/>
+          </ac:cxnSpMkLst>
+        </pc:cxnChg>
+        <pc:cxnChg chg="mod">
+          <ac:chgData name="久保寺　真仁" userId="2768f32b-5882-4410-b2b1-7e7a9f4ff427" providerId="ADAL" clId="{44D760B1-647A-4A96-BE88-A80449FA6F1C}" dt="2023-04-28T16:55:59.996" v="75" actId="1036"/>
+          <ac:cxnSpMkLst>
+            <pc:docMk/>
+            <pc:sldMk cId="3159971292" sldId="257"/>
+            <ac:cxnSpMk id="37" creationId="{ADD8B1E6-13E5-224D-72C5-F617EB68C50B}"/>
+          </ac:cxnSpMkLst>
+        </pc:cxnChg>
+        <pc:cxnChg chg="mod">
+          <ac:chgData name="久保寺　真仁" userId="2768f32b-5882-4410-b2b1-7e7a9f4ff427" providerId="ADAL" clId="{44D760B1-647A-4A96-BE88-A80449FA6F1C}" dt="2023-04-28T16:55:59.996" v="75" actId="1036"/>
+          <ac:cxnSpMkLst>
+            <pc:docMk/>
+            <pc:sldMk cId="3159971292" sldId="257"/>
+            <ac:cxnSpMk id="38" creationId="{68928AAC-24C8-AFB0-C963-8D8516A32222}"/>
+          </ac:cxnSpMkLst>
+        </pc:cxnChg>
+        <pc:cxnChg chg="mod">
+          <ac:chgData name="久保寺　真仁" userId="2768f32b-5882-4410-b2b1-7e7a9f4ff427" providerId="ADAL" clId="{44D760B1-647A-4A96-BE88-A80449FA6F1C}" dt="2023-04-28T16:55:59.996" v="75" actId="1036"/>
+          <ac:cxnSpMkLst>
+            <pc:docMk/>
+            <pc:sldMk cId="3159971292" sldId="257"/>
+            <ac:cxnSpMk id="39" creationId="{C5C65F3D-DD9D-6612-483E-CCAE32B6BD73}"/>
+          </ac:cxnSpMkLst>
+        </pc:cxnChg>
+        <pc:cxnChg chg="mod">
+          <ac:chgData name="久保寺　真仁" userId="2768f32b-5882-4410-b2b1-7e7a9f4ff427" providerId="ADAL" clId="{44D760B1-647A-4A96-BE88-A80449FA6F1C}" dt="2023-04-28T16:55:59.996" v="75" actId="1036"/>
+          <ac:cxnSpMkLst>
+            <pc:docMk/>
+            <pc:sldMk cId="3159971292" sldId="257"/>
+            <ac:cxnSpMk id="40" creationId="{7AE1B49A-531E-6EFF-B753-BF9386F0F163}"/>
+          </ac:cxnSpMkLst>
+        </pc:cxnChg>
+        <pc:cxnChg chg="mod">
+          <ac:chgData name="久保寺　真仁" userId="2768f32b-5882-4410-b2b1-7e7a9f4ff427" providerId="ADAL" clId="{44D760B1-647A-4A96-BE88-A80449FA6F1C}" dt="2023-04-28T16:55:59.996" v="75" actId="1036"/>
+          <ac:cxnSpMkLst>
+            <pc:docMk/>
+            <pc:sldMk cId="3159971292" sldId="257"/>
+            <ac:cxnSpMk id="41" creationId="{D34B137F-CA17-D70C-954F-F1016FF13357}"/>
+          </ac:cxnSpMkLst>
+        </pc:cxnChg>
+        <pc:cxnChg chg="mod">
+          <ac:chgData name="久保寺　真仁" userId="2768f32b-5882-4410-b2b1-7e7a9f4ff427" providerId="ADAL" clId="{44D760B1-647A-4A96-BE88-A80449FA6F1C}" dt="2023-04-28T16:55:59.996" v="75" actId="1036"/>
+          <ac:cxnSpMkLst>
+            <pc:docMk/>
+            <pc:sldMk cId="3159971292" sldId="257"/>
+            <ac:cxnSpMk id="42" creationId="{DA8E4926-7326-E085-8F95-AE2CA9E148FD}"/>
+          </ac:cxnSpMkLst>
+        </pc:cxnChg>
+        <pc:cxnChg chg="mod">
+          <ac:chgData name="久保寺　真仁" userId="2768f32b-5882-4410-b2b1-7e7a9f4ff427" providerId="ADAL" clId="{44D760B1-647A-4A96-BE88-A80449FA6F1C}" dt="2023-04-28T16:56:03.752" v="78" actId="1035"/>
+          <ac:cxnSpMkLst>
+            <pc:docMk/>
+            <pc:sldMk cId="3159971292" sldId="257"/>
+            <ac:cxnSpMk id="48" creationId="{1B8BD058-E16F-B12E-B3A6-AF1DAA7944A3}"/>
+          </ac:cxnSpMkLst>
+        </pc:cxnChg>
+        <pc:cxnChg chg="mod">
+          <ac:chgData name="久保寺　真仁" userId="2768f32b-5882-4410-b2b1-7e7a9f4ff427" providerId="ADAL" clId="{44D760B1-647A-4A96-BE88-A80449FA6F1C}" dt="2023-04-28T16:56:03.752" v="78" actId="1035"/>
+          <ac:cxnSpMkLst>
+            <pc:docMk/>
+            <pc:sldMk cId="3159971292" sldId="257"/>
+            <ac:cxnSpMk id="49" creationId="{6E98F694-E2C1-081C-25CD-2CFE2DEF1346}"/>
+          </ac:cxnSpMkLst>
+        </pc:cxnChg>
+        <pc:cxnChg chg="mod">
+          <ac:chgData name="久保寺　真仁" userId="2768f32b-5882-4410-b2b1-7e7a9f4ff427" providerId="ADAL" clId="{44D760B1-647A-4A96-BE88-A80449FA6F1C}" dt="2023-04-28T16:56:03.752" v="78" actId="1035"/>
+          <ac:cxnSpMkLst>
+            <pc:docMk/>
+            <pc:sldMk cId="3159971292" sldId="257"/>
+            <ac:cxnSpMk id="50" creationId="{9F665ECF-0E20-0343-6391-C6E0766D8929}"/>
+          </ac:cxnSpMkLst>
+        </pc:cxnChg>
+        <pc:cxnChg chg="mod">
+          <ac:chgData name="久保寺　真仁" userId="2768f32b-5882-4410-b2b1-7e7a9f4ff427" providerId="ADAL" clId="{44D760B1-647A-4A96-BE88-A80449FA6F1C}" dt="2023-04-28T16:56:03.752" v="78" actId="1035"/>
+          <ac:cxnSpMkLst>
+            <pc:docMk/>
+            <pc:sldMk cId="3159971292" sldId="257"/>
+            <ac:cxnSpMk id="51" creationId="{882F5478-4110-F41F-3432-481FF931C8BD}"/>
+          </ac:cxnSpMkLst>
+        </pc:cxnChg>
+      </pc:sldChg>
+      <pc:sldChg chg="addSp delSp modSp new mod">
+        <pc:chgData name="久保寺　真仁" userId="2768f32b-5882-4410-b2b1-7e7a9f4ff427" providerId="ADAL" clId="{44D760B1-647A-4A96-BE88-A80449FA6F1C}" dt="2023-04-28T16:53:27.689" v="55" actId="1076"/>
+        <pc:sldMkLst>
+          <pc:docMk/>
+          <pc:sldMk cId="1929352114" sldId="258"/>
+        </pc:sldMkLst>
+        <pc:spChg chg="del">
+          <ac:chgData name="久保寺　真仁" userId="2768f32b-5882-4410-b2b1-7e7a9f4ff427" providerId="ADAL" clId="{44D760B1-647A-4A96-BE88-A80449FA6F1C}" dt="2023-04-28T16:52:48.868" v="52" actId="478"/>
+          <ac:spMkLst>
+            <pc:docMk/>
+            <pc:sldMk cId="1929352114" sldId="258"/>
+            <ac:spMk id="2" creationId="{5ADB3933-937B-AEB3-D7CD-0FA74C64160A}"/>
+          </ac:spMkLst>
+        </pc:spChg>
+        <pc:spChg chg="del">
+          <ac:chgData name="久保寺　真仁" userId="2768f32b-5882-4410-b2b1-7e7a9f4ff427" providerId="ADAL" clId="{44D760B1-647A-4A96-BE88-A80449FA6F1C}" dt="2023-04-28T16:52:47.833" v="51" actId="478"/>
+          <ac:spMkLst>
+            <pc:docMk/>
+            <pc:sldMk cId="1929352114" sldId="258"/>
+            <ac:spMk id="3" creationId="{9B8CA321-E06D-AE35-79B0-F79C0827BD96}"/>
+          </ac:spMkLst>
+        </pc:spChg>
+        <pc:spChg chg="add del">
+          <ac:chgData name="久保寺　真仁" userId="2768f32b-5882-4410-b2b1-7e7a9f4ff427" providerId="ADAL" clId="{44D760B1-647A-4A96-BE88-A80449FA6F1C}" dt="2023-04-28T16:53:24.945" v="54" actId="11529"/>
+          <ac:spMkLst>
+            <pc:docMk/>
+            <pc:sldMk cId="1929352114" sldId="258"/>
+            <ac:spMk id="5" creationId="{92D72049-AE88-68A1-6EDE-FBD6D947DB09}"/>
+          </ac:spMkLst>
+        </pc:spChg>
+        <pc:picChg chg="add mod">
+          <ac:chgData name="久保寺　真仁" userId="2768f32b-5882-4410-b2b1-7e7a9f4ff427" providerId="ADAL" clId="{44D760B1-647A-4A96-BE88-A80449FA6F1C}" dt="2023-04-28T16:53:27.689" v="55" actId="1076"/>
+          <ac:picMkLst>
+            <pc:docMk/>
+            <pc:sldMk cId="1929352114" sldId="258"/>
+            <ac:picMk id="4" creationId="{7CC03EA0-FFA0-EDB4-612E-E19693E51648}"/>
+          </ac:picMkLst>
+        </pc:picChg>
+      </pc:sldChg>
+      <pc:sldChg chg="delSp del mod">
+        <pc:chgData name="久保寺　真仁" userId="2768f32b-5882-4410-b2b1-7e7a9f4ff427" providerId="ADAL" clId="{44D760B1-647A-4A96-BE88-A80449FA6F1C}" dt="2023-04-28T16:50:49.465" v="30" actId="47"/>
+        <pc:sldMkLst>
+          <pc:docMk/>
+          <pc:sldMk cId="3190250625" sldId="258"/>
+        </pc:sldMkLst>
+        <pc:picChg chg="del">
+          <ac:chgData name="久保寺　真仁" userId="2768f32b-5882-4410-b2b1-7e7a9f4ff427" providerId="ADAL" clId="{44D760B1-647A-4A96-BE88-A80449FA6F1C}" dt="2023-04-28T16:50:46.771" v="28" actId="478"/>
+          <ac:picMkLst>
+            <pc:docMk/>
+            <pc:sldMk cId="3190250625" sldId="258"/>
+            <ac:picMk id="4" creationId="{F709E766-6468-C163-1A87-62FD598AD1D5}"/>
+          </ac:picMkLst>
+        </pc:picChg>
+      </pc:sldChg>
+      <pc:sldChg chg="addSp delSp modSp new mod">
+        <pc:chgData name="久保寺　真仁" userId="2768f32b-5882-4410-b2b1-7e7a9f4ff427" providerId="ADAL" clId="{44D760B1-647A-4A96-BE88-A80449FA6F1C}" dt="2023-04-28T17:44:11.173" v="347" actId="403"/>
+        <pc:sldMkLst>
+          <pc:docMk/>
+          <pc:sldMk cId="614898779" sldId="259"/>
+        </pc:sldMkLst>
+        <pc:spChg chg="del">
+          <ac:chgData name="久保寺　真仁" userId="2768f32b-5882-4410-b2b1-7e7a9f4ff427" providerId="ADAL" clId="{44D760B1-647A-4A96-BE88-A80449FA6F1C}" dt="2023-04-28T17:29:22.348" v="87" actId="478"/>
+          <ac:spMkLst>
+            <pc:docMk/>
+            <pc:sldMk cId="614898779" sldId="259"/>
+            <ac:spMk id="2" creationId="{137BCC94-A766-34A9-AA96-29BD94E0F8F2}"/>
+          </ac:spMkLst>
+        </pc:spChg>
+        <pc:spChg chg="del">
+          <ac:chgData name="久保寺　真仁" userId="2768f32b-5882-4410-b2b1-7e7a9f4ff427" providerId="ADAL" clId="{44D760B1-647A-4A96-BE88-A80449FA6F1C}" dt="2023-04-28T17:29:21.387" v="86" actId="478"/>
+          <ac:spMkLst>
+            <pc:docMk/>
+            <pc:sldMk cId="614898779" sldId="259"/>
+            <ac:spMk id="3" creationId="{3F7129B9-E6E1-DEA8-D81D-3144C35C2F4D}"/>
+          </ac:spMkLst>
+        </pc:spChg>
+        <pc:spChg chg="add del mod">
+          <ac:chgData name="久保寺　真仁" userId="2768f32b-5882-4410-b2b1-7e7a9f4ff427" providerId="ADAL" clId="{44D760B1-647A-4A96-BE88-A80449FA6F1C}" dt="2023-04-28T17:43:08.311" v="322" actId="164"/>
+          <ac:spMkLst>
+            <pc:docMk/>
+            <pc:sldMk cId="614898779" sldId="259"/>
+            <ac:spMk id="4" creationId="{DEA77EB2-62DD-E98E-94AA-F882F30B9741}"/>
+          </ac:spMkLst>
+        </pc:spChg>
+        <pc:spChg chg="add mod">
+          <ac:chgData name="久保寺　真仁" userId="2768f32b-5882-4410-b2b1-7e7a9f4ff427" providerId="ADAL" clId="{44D760B1-647A-4A96-BE88-A80449FA6F1C}" dt="2023-04-28T17:44:06.650" v="342" actId="403"/>
+          <ac:spMkLst>
+            <pc:docMk/>
+            <pc:sldMk cId="614898779" sldId="259"/>
+            <ac:spMk id="8" creationId="{C8064C89-40AC-1978-7724-7AF11F2D7FDF}"/>
+          </ac:spMkLst>
+        </pc:spChg>
+        <pc:spChg chg="add mod">
+          <ac:chgData name="久保寺　真仁" userId="2768f32b-5882-4410-b2b1-7e7a9f4ff427" providerId="ADAL" clId="{44D760B1-647A-4A96-BE88-A80449FA6F1C}" dt="2023-04-28T17:44:11.173" v="347" actId="403"/>
+          <ac:spMkLst>
+            <pc:docMk/>
+            <pc:sldMk cId="614898779" sldId="259"/>
+            <ac:spMk id="12" creationId="{D66A2D50-2B69-89FF-3A76-BC2BC61E2E83}"/>
+          </ac:spMkLst>
+        </pc:spChg>
+        <pc:spChg chg="add del">
+          <ac:chgData name="久保寺　真仁" userId="2768f32b-5882-4410-b2b1-7e7a9f4ff427" providerId="ADAL" clId="{44D760B1-647A-4A96-BE88-A80449FA6F1C}" dt="2023-04-28T17:34:16.017" v="185" actId="22"/>
+          <ac:spMkLst>
+            <pc:docMk/>
+            <pc:sldMk cId="614898779" sldId="259"/>
+            <ac:spMk id="23" creationId="{B9F37605-4238-38D9-4281-3BEB026D15DE}"/>
+          </ac:spMkLst>
+        </pc:spChg>
+        <pc:spChg chg="add mod">
+          <ac:chgData name="久保寺　真仁" userId="2768f32b-5882-4410-b2b1-7e7a9f4ff427" providerId="ADAL" clId="{44D760B1-647A-4A96-BE88-A80449FA6F1C}" dt="2023-04-28T17:43:08.311" v="322" actId="164"/>
+          <ac:spMkLst>
+            <pc:docMk/>
+            <pc:sldMk cId="614898779" sldId="259"/>
+            <ac:spMk id="26" creationId="{278B4CC3-7EF6-D64A-4E57-2B00A4CAB669}"/>
+          </ac:spMkLst>
+        </pc:spChg>
+        <pc:spChg chg="add mod">
+          <ac:chgData name="久保寺　真仁" userId="2768f32b-5882-4410-b2b1-7e7a9f4ff427" providerId="ADAL" clId="{44D760B1-647A-4A96-BE88-A80449FA6F1C}" dt="2023-04-28T17:43:08.311" v="322" actId="164"/>
+          <ac:spMkLst>
+            <pc:docMk/>
+            <pc:sldMk cId="614898779" sldId="259"/>
+            <ac:spMk id="27" creationId="{32D7837C-FEB5-AF77-2D55-9EFB802217DF}"/>
+          </ac:spMkLst>
+        </pc:spChg>
+        <pc:spChg chg="add mod">
+          <ac:chgData name="久保寺　真仁" userId="2768f32b-5882-4410-b2b1-7e7a9f4ff427" providerId="ADAL" clId="{44D760B1-647A-4A96-BE88-A80449FA6F1C}" dt="2023-04-28T17:41:34.336" v="310" actId="164"/>
+          <ac:spMkLst>
+            <pc:docMk/>
+            <pc:sldMk cId="614898779" sldId="259"/>
+            <ac:spMk id="28" creationId="{F5A54264-1F27-0C4C-DD95-9C575D094CA4}"/>
+          </ac:spMkLst>
+        </pc:spChg>
+        <pc:spChg chg="add mod">
+          <ac:chgData name="久保寺　真仁" userId="2768f32b-5882-4410-b2b1-7e7a9f4ff427" providerId="ADAL" clId="{44D760B1-647A-4A96-BE88-A80449FA6F1C}" dt="2023-04-28T17:41:26.269" v="308" actId="164"/>
+          <ac:spMkLst>
+            <pc:docMk/>
+            <pc:sldMk cId="614898779" sldId="259"/>
+            <ac:spMk id="29" creationId="{94DE231F-52E1-043A-198B-2B1B43351E9C}"/>
+          </ac:spMkLst>
+        </pc:spChg>
+        <pc:spChg chg="add mod">
+          <ac:chgData name="久保寺　真仁" userId="2768f32b-5882-4410-b2b1-7e7a9f4ff427" providerId="ADAL" clId="{44D760B1-647A-4A96-BE88-A80449FA6F1C}" dt="2023-04-28T17:41:21.606" v="307" actId="164"/>
+          <ac:spMkLst>
+            <pc:docMk/>
+            <pc:sldMk cId="614898779" sldId="259"/>
+            <ac:spMk id="30" creationId="{CD6C3DAC-70E7-9C6F-CE2D-5EB0A4DAFF87}"/>
+          </ac:spMkLst>
+        </pc:spChg>
+        <pc:spChg chg="add mod">
+          <ac:chgData name="久保寺　真仁" userId="2768f32b-5882-4410-b2b1-7e7a9f4ff427" providerId="ADAL" clId="{44D760B1-647A-4A96-BE88-A80449FA6F1C}" dt="2023-04-28T17:41:30.706" v="309" actId="164"/>
+          <ac:spMkLst>
+            <pc:docMk/>
+            <pc:sldMk cId="614898779" sldId="259"/>
+            <ac:spMk id="31" creationId="{3D803BC2-8262-774E-4B8E-C7E60B52F6E2}"/>
+          </ac:spMkLst>
+        </pc:spChg>
+        <pc:spChg chg="add mod">
+          <ac:chgData name="久保寺　真仁" userId="2768f32b-5882-4410-b2b1-7e7a9f4ff427" providerId="ADAL" clId="{44D760B1-647A-4A96-BE88-A80449FA6F1C}" dt="2023-04-28T17:43:08.311" v="322" actId="164"/>
+          <ac:spMkLst>
+            <pc:docMk/>
+            <pc:sldMk cId="614898779" sldId="259"/>
+            <ac:spMk id="40" creationId="{1EB1451B-EB3B-9A94-77EF-FE4B7E405D62}"/>
+          </ac:spMkLst>
+        </pc:spChg>
+        <pc:grpChg chg="add mod">
+          <ac:chgData name="久保寺　真仁" userId="2768f32b-5882-4410-b2b1-7e7a9f4ff427" providerId="ADAL" clId="{44D760B1-647A-4A96-BE88-A80449FA6F1C}" dt="2023-04-28T17:41:44.798" v="312" actId="164"/>
+          <ac:grpSpMkLst>
+            <pc:docMk/>
+            <pc:sldMk cId="614898779" sldId="259"/>
+            <ac:grpSpMk id="47" creationId="{2A6E7582-9109-584D-4356-226E9EE8510C}"/>
+          </ac:grpSpMkLst>
+        </pc:grpChg>
+        <pc:grpChg chg="add mod">
+          <ac:chgData name="久保寺　真仁" userId="2768f32b-5882-4410-b2b1-7e7a9f4ff427" providerId="ADAL" clId="{44D760B1-647A-4A96-BE88-A80449FA6F1C}" dt="2023-04-28T17:41:44.798" v="312" actId="164"/>
+          <ac:grpSpMkLst>
+            <pc:docMk/>
+            <pc:sldMk cId="614898779" sldId="259"/>
+            <ac:grpSpMk id="48" creationId="{44646F4B-ED25-FB3D-4ACB-D58EFEAFA48C}"/>
+          </ac:grpSpMkLst>
+        </pc:grpChg>
+        <pc:grpChg chg="add mod">
+          <ac:chgData name="久保寺　真仁" userId="2768f32b-5882-4410-b2b1-7e7a9f4ff427" providerId="ADAL" clId="{44D760B1-647A-4A96-BE88-A80449FA6F1C}" dt="2023-04-28T17:41:44.798" v="312" actId="164"/>
+          <ac:grpSpMkLst>
+            <pc:docMk/>
+            <pc:sldMk cId="614898779" sldId="259"/>
+            <ac:grpSpMk id="49" creationId="{FE294315-4254-A360-A10D-2E99212A4A71}"/>
+          </ac:grpSpMkLst>
+        </pc:grpChg>
+        <pc:grpChg chg="add mod">
+          <ac:chgData name="久保寺　真仁" userId="2768f32b-5882-4410-b2b1-7e7a9f4ff427" providerId="ADAL" clId="{44D760B1-647A-4A96-BE88-A80449FA6F1C}" dt="2023-04-28T17:41:44.798" v="312" actId="164"/>
+          <ac:grpSpMkLst>
+            <pc:docMk/>
+            <pc:sldMk cId="614898779" sldId="259"/>
+            <ac:grpSpMk id="50" creationId="{9472F4FB-0B6D-E1E3-DEE8-18FA24F46752}"/>
+          </ac:grpSpMkLst>
+        </pc:grpChg>
+        <pc:grpChg chg="add mod">
+          <ac:chgData name="久保寺　真仁" userId="2768f32b-5882-4410-b2b1-7e7a9f4ff427" providerId="ADAL" clId="{44D760B1-647A-4A96-BE88-A80449FA6F1C}" dt="2023-04-28T17:43:08.311" v="322" actId="164"/>
+          <ac:grpSpMkLst>
+            <pc:docMk/>
+            <pc:sldMk cId="614898779" sldId="259"/>
+            <ac:grpSpMk id="51" creationId="{CA937E5A-D6AC-D2C4-FCD8-2F3F4EFDAB7E}"/>
+          </ac:grpSpMkLst>
+        </pc:grpChg>
+        <pc:grpChg chg="add mod">
+          <ac:chgData name="久保寺　真仁" userId="2768f32b-5882-4410-b2b1-7e7a9f4ff427" providerId="ADAL" clId="{44D760B1-647A-4A96-BE88-A80449FA6F1C}" dt="2023-04-28T17:43:23.549" v="324" actId="12789"/>
+          <ac:grpSpMkLst>
+            <pc:docMk/>
+            <pc:sldMk cId="614898779" sldId="259"/>
+            <ac:grpSpMk id="52" creationId="{5AC7E280-AE6F-E58C-C543-52B2F5F4E0F5}"/>
+          </ac:grpSpMkLst>
+        </pc:grpChg>
+        <pc:cxnChg chg="add del mod">
+          <ac:chgData name="久保寺　真仁" userId="2768f32b-5882-4410-b2b1-7e7a9f4ff427" providerId="ADAL" clId="{44D760B1-647A-4A96-BE88-A80449FA6F1C}" dt="2023-04-28T17:32:10.039" v="146" actId="478"/>
+          <ac:cxnSpMkLst>
+            <pc:docMk/>
+            <pc:sldMk cId="614898779" sldId="259"/>
+            <ac:cxnSpMk id="6" creationId="{CAEF5848-E7A5-7BD8-DA36-5C9C10156622}"/>
+          </ac:cxnSpMkLst>
+        </pc:cxnChg>
+        <pc:cxnChg chg="add mod">
+          <ac:chgData name="久保寺　真仁" userId="2768f32b-5882-4410-b2b1-7e7a9f4ff427" providerId="ADAL" clId="{44D760B1-647A-4A96-BE88-A80449FA6F1C}" dt="2023-04-28T17:43:08.311" v="322" actId="164"/>
+          <ac:cxnSpMkLst>
+            <pc:docMk/>
+            <pc:sldMk cId="614898779" sldId="259"/>
+            <ac:cxnSpMk id="10" creationId="{D960897D-FECC-3398-C609-010473DACC47}"/>
+          </ac:cxnSpMkLst>
+        </pc:cxnChg>
+        <pc:cxnChg chg="add mod">
+          <ac:chgData name="久保寺　真仁" userId="2768f32b-5882-4410-b2b1-7e7a9f4ff427" providerId="ADAL" clId="{44D760B1-647A-4A96-BE88-A80449FA6F1C}" dt="2023-04-28T17:43:08.311" v="322" actId="164"/>
+          <ac:cxnSpMkLst>
+            <pc:docMk/>
+            <pc:sldMk cId="614898779" sldId="259"/>
+            <ac:cxnSpMk id="13" creationId="{182CF98B-856B-AE84-99E2-06A1106DD42C}"/>
+          </ac:cxnSpMkLst>
+        </pc:cxnChg>
+        <pc:cxnChg chg="add mod">
+          <ac:chgData name="久保寺　真仁" userId="2768f32b-5882-4410-b2b1-7e7a9f4ff427" providerId="ADAL" clId="{44D760B1-647A-4A96-BE88-A80449FA6F1C}" dt="2023-04-28T17:43:08.311" v="322" actId="164"/>
+          <ac:cxnSpMkLst>
+            <pc:docMk/>
+            <pc:sldMk cId="614898779" sldId="259"/>
+            <ac:cxnSpMk id="16" creationId="{F868F0FF-418A-769A-4D1D-9AC8209097F1}"/>
+          </ac:cxnSpMkLst>
+        </pc:cxnChg>
+        <pc:cxnChg chg="add mod">
+          <ac:chgData name="久保寺　真仁" userId="2768f32b-5882-4410-b2b1-7e7a9f4ff427" providerId="ADAL" clId="{44D760B1-647A-4A96-BE88-A80449FA6F1C}" dt="2023-04-28T17:43:08.311" v="322" actId="164"/>
+          <ac:cxnSpMkLst>
+            <pc:docMk/>
+            <pc:sldMk cId="614898779" sldId="259"/>
+            <ac:cxnSpMk id="19" creationId="{3320B66A-05B2-F5BB-4F8A-17641498FA7B}"/>
+          </ac:cxnSpMkLst>
+        </pc:cxnChg>
+        <pc:cxnChg chg="add mod">
+          <ac:chgData name="久保寺　真仁" userId="2768f32b-5882-4410-b2b1-7e7a9f4ff427" providerId="ADAL" clId="{44D760B1-647A-4A96-BE88-A80449FA6F1C}" dt="2023-04-28T17:42:32.484" v="319" actId="692"/>
+          <ac:cxnSpMkLst>
+            <pc:docMk/>
+            <pc:sldMk cId="614898779" sldId="259"/>
+            <ac:cxnSpMk id="36" creationId="{3396376E-B885-C7B4-FAC6-1E448C2C5D5D}"/>
+          </ac:cxnSpMkLst>
+        </pc:cxnChg>
+        <pc:cxnChg chg="add mod">
+          <ac:chgData name="久保寺　真仁" userId="2768f32b-5882-4410-b2b1-7e7a9f4ff427" providerId="ADAL" clId="{44D760B1-647A-4A96-BE88-A80449FA6F1C}" dt="2023-04-28T17:42:32.484" v="319" actId="692"/>
+          <ac:cxnSpMkLst>
+            <pc:docMk/>
+            <pc:sldMk cId="614898779" sldId="259"/>
+            <ac:cxnSpMk id="37" creationId="{5D22197D-BA3A-4F19-9FED-FF90933B3C17}"/>
+          </ac:cxnSpMkLst>
+        </pc:cxnChg>
+        <pc:cxnChg chg="add mod">
+          <ac:chgData name="久保寺　真仁" userId="2768f32b-5882-4410-b2b1-7e7a9f4ff427" providerId="ADAL" clId="{44D760B1-647A-4A96-BE88-A80449FA6F1C}" dt="2023-04-28T17:42:32.484" v="319" actId="692"/>
+          <ac:cxnSpMkLst>
+            <pc:docMk/>
+            <pc:sldMk cId="614898779" sldId="259"/>
+            <ac:cxnSpMk id="38" creationId="{237E73A3-EA28-E4B3-B618-8877D73A2E20}"/>
+          </ac:cxnSpMkLst>
+        </pc:cxnChg>
+        <pc:cxnChg chg="add mod">
+          <ac:chgData name="久保寺　真仁" userId="2768f32b-5882-4410-b2b1-7e7a9f4ff427" providerId="ADAL" clId="{44D760B1-647A-4A96-BE88-A80449FA6F1C}" dt="2023-04-28T17:42:32.484" v="319" actId="692"/>
+          <ac:cxnSpMkLst>
+            <pc:docMk/>
+            <pc:sldMk cId="614898779" sldId="259"/>
+            <ac:cxnSpMk id="39" creationId="{C6882144-483F-A2C5-D3B2-74BD00FA964F}"/>
+          </ac:cxnSpMkLst>
+        </pc:cxnChg>
+      </pc:sldChg>
+    </pc:docChg>
+  </pc:docChgLst>
   <pc:docChgLst>
     <pc:chgData name="久保寺　真仁" userId="2768f32b-5882-4410-b2b1-7e7a9f4ff427" providerId="ADAL" clId="{57B3A85F-266E-4172-9194-F2397BB21314}"/>
     <pc:docChg chg="undo custSel addSld modSld">
@@ -874,7 +1542,7 @@
           <a:p>
             <a:fld id="{76E19F18-D823-463A-8381-1811E19E96D2}" type="datetimeFigureOut">
               <a:rPr kumimoji="1" lang="ja-JP" altLang="en-US" smtClean="0"/>
-              <a:t>2023/4/22</a:t>
+              <a:t>2023/4/29</a:t>
             </a:fld>
             <a:endParaRPr kumimoji="1" lang="ja-JP" altLang="en-US"/>
           </a:p>
@@ -1304,7 +1972,7 @@
           <a:p>
             <a:fld id="{1FA9187C-4DE0-4CE3-96AB-364AA8EDF057}" type="datetimeFigureOut">
               <a:rPr kumimoji="1" lang="ja-JP" altLang="en-US" smtClean="0"/>
-              <a:t>2023/4/22</a:t>
+              <a:t>2023/4/29</a:t>
             </a:fld>
             <a:endParaRPr kumimoji="1" lang="ja-JP" altLang="en-US"/>
           </a:p>
@@ -1506,7 +2174,7 @@
           <a:p>
             <a:fld id="{1FA9187C-4DE0-4CE3-96AB-364AA8EDF057}" type="datetimeFigureOut">
               <a:rPr kumimoji="1" lang="ja-JP" altLang="en-US" smtClean="0"/>
-              <a:t>2023/4/22</a:t>
+              <a:t>2023/4/29</a:t>
             </a:fld>
             <a:endParaRPr kumimoji="1" lang="ja-JP" altLang="en-US"/>
           </a:p>
@@ -1718,7 +2386,7 @@
           <a:p>
             <a:fld id="{1FA9187C-4DE0-4CE3-96AB-364AA8EDF057}" type="datetimeFigureOut">
               <a:rPr kumimoji="1" lang="ja-JP" altLang="en-US" smtClean="0"/>
-              <a:t>2023/4/22</a:t>
+              <a:t>2023/4/29</a:t>
             </a:fld>
             <a:endParaRPr kumimoji="1" lang="ja-JP" altLang="en-US"/>
           </a:p>
@@ -1920,7 +2588,7 @@
           <a:p>
             <a:fld id="{1FA9187C-4DE0-4CE3-96AB-364AA8EDF057}" type="datetimeFigureOut">
               <a:rPr kumimoji="1" lang="ja-JP" altLang="en-US" smtClean="0"/>
-              <a:t>2023/4/22</a:t>
+              <a:t>2023/4/29</a:t>
             </a:fld>
             <a:endParaRPr kumimoji="1" lang="ja-JP" altLang="en-US"/>
           </a:p>
@@ -2164,7 +2832,7 @@
           <a:p>
             <a:fld id="{1FA9187C-4DE0-4CE3-96AB-364AA8EDF057}" type="datetimeFigureOut">
               <a:rPr kumimoji="1" lang="ja-JP" altLang="en-US" smtClean="0"/>
-              <a:t>2023/4/22</a:t>
+              <a:t>2023/4/29</a:t>
             </a:fld>
             <a:endParaRPr kumimoji="1" lang="ja-JP" altLang="en-US"/>
           </a:p>
@@ -2460,7 +3128,7 @@
           <a:p>
             <a:fld id="{1FA9187C-4DE0-4CE3-96AB-364AA8EDF057}" type="datetimeFigureOut">
               <a:rPr kumimoji="1" lang="ja-JP" altLang="en-US" smtClean="0"/>
-              <a:t>2023/4/22</a:t>
+              <a:t>2023/4/29</a:t>
             </a:fld>
             <a:endParaRPr kumimoji="1" lang="ja-JP" altLang="en-US"/>
           </a:p>
@@ -2891,7 +3559,7 @@
           <a:p>
             <a:fld id="{1FA9187C-4DE0-4CE3-96AB-364AA8EDF057}" type="datetimeFigureOut">
               <a:rPr kumimoji="1" lang="ja-JP" altLang="en-US" smtClean="0"/>
-              <a:t>2023/4/22</a:t>
+              <a:t>2023/4/29</a:t>
             </a:fld>
             <a:endParaRPr kumimoji="1" lang="ja-JP" altLang="en-US"/>
           </a:p>
@@ -3009,7 +3677,7 @@
           <a:p>
             <a:fld id="{1FA9187C-4DE0-4CE3-96AB-364AA8EDF057}" type="datetimeFigureOut">
               <a:rPr kumimoji="1" lang="ja-JP" altLang="en-US" smtClean="0"/>
-              <a:t>2023/4/22</a:t>
+              <a:t>2023/4/29</a:t>
             </a:fld>
             <a:endParaRPr kumimoji="1" lang="ja-JP" altLang="en-US"/>
           </a:p>
@@ -3104,7 +3772,7 @@
           <a:p>
             <a:fld id="{1FA9187C-4DE0-4CE3-96AB-364AA8EDF057}" type="datetimeFigureOut">
               <a:rPr kumimoji="1" lang="ja-JP" altLang="en-US" smtClean="0"/>
-              <a:t>2023/4/22</a:t>
+              <a:t>2023/4/29</a:t>
             </a:fld>
             <a:endParaRPr kumimoji="1" lang="ja-JP" altLang="en-US"/>
           </a:p>
@@ -3413,7 +4081,7 @@
           <a:p>
             <a:fld id="{1FA9187C-4DE0-4CE3-96AB-364AA8EDF057}" type="datetimeFigureOut">
               <a:rPr kumimoji="1" lang="ja-JP" altLang="en-US" smtClean="0"/>
-              <a:t>2023/4/22</a:t>
+              <a:t>2023/4/29</a:t>
             </a:fld>
             <a:endParaRPr kumimoji="1" lang="ja-JP" altLang="en-US"/>
           </a:p>
@@ -3670,7 +4338,7 @@
           <a:p>
             <a:fld id="{1FA9187C-4DE0-4CE3-96AB-364AA8EDF057}" type="datetimeFigureOut">
               <a:rPr kumimoji="1" lang="ja-JP" altLang="en-US" smtClean="0"/>
-              <a:t>2023/4/22</a:t>
+              <a:t>2023/4/29</a:t>
             </a:fld>
             <a:endParaRPr kumimoji="1" lang="ja-JP" altLang="en-US"/>
           </a:p>
@@ -3915,7 +4583,7 @@
           <a:p>
             <a:fld id="{1FA9187C-4DE0-4CE3-96AB-364AA8EDF057}" type="datetimeFigureOut">
               <a:rPr kumimoji="1" lang="ja-JP" altLang="en-US" smtClean="0"/>
-              <a:t>2023/4/22</a:t>
+              <a:t>2023/4/29</a:t>
             </a:fld>
             <a:endParaRPr kumimoji="1" lang="ja-JP" altLang="en-US"/>
           </a:p>
@@ -4320,1107 +4988,52 @@
           <a:chExt cx="0" cy="0"/>
         </a:xfrm>
       </p:grpSpPr>
-      <p:cxnSp>
-        <p:nvCxnSpPr>
-          <p:cNvPr id="5" name="直線コネクタ 4">
+      <p:pic>
+        <p:nvPicPr>
+          <p:cNvPr id="1028" name="Picture 4">
             <a:extLst>
               <a:ext uri="{FF2B5EF4-FFF2-40B4-BE49-F238E27FC236}">
-                <a16:creationId xmlns:a16="http://schemas.microsoft.com/office/drawing/2014/main" id="{03F06B31-0589-741E-3FC0-B71875230696}"/>
+                <a16:creationId xmlns:a16="http://schemas.microsoft.com/office/drawing/2014/main" id="{0F5E2D94-BB6D-8AAA-044B-6A78DD11D74C}"/>
               </a:ext>
             </a:extLst>
           </p:cNvPr>
-          <p:cNvCxnSpPr>
-            <a:cxnSpLocks/>
-          </p:cNvCxnSpPr>
+          <p:cNvPicPr>
+            <a:picLocks noChangeAspect="1" noChangeArrowheads="1"/>
+          </p:cNvPicPr>
           <p:nvPr/>
-        </p:nvCxnSpPr>
-        <p:spPr>
-          <a:xfrm>
-            <a:off x="9455287" y="3756575"/>
-            <a:ext cx="1080000" cy="0"/>
-          </a:xfrm>
-          <a:prstGeom prst="line">
-            <a:avLst/>
-          </a:prstGeom>
-          <a:ln w="127000">
-            <a:solidFill>
-              <a:schemeClr val="tx1"/>
-            </a:solidFill>
-            <a:headEnd type="oval"/>
-          </a:ln>
-        </p:spPr>
-        <p:style>
-          <a:lnRef idx="1">
-            <a:schemeClr val="accent1"/>
-          </a:lnRef>
-          <a:fillRef idx="0">
-            <a:schemeClr val="accent1"/>
-          </a:fillRef>
-          <a:effectRef idx="0">
-            <a:schemeClr val="accent1"/>
-          </a:effectRef>
-          <a:fontRef idx="minor">
-            <a:schemeClr val="tx1"/>
-          </a:fontRef>
-        </p:style>
-      </p:cxnSp>
-      <p:cxnSp>
-        <p:nvCxnSpPr>
-          <p:cNvPr id="6" name="直線コネクタ 5">
+        </p:nvPicPr>
+        <p:blipFill rotWithShape="1">
+          <a:blip r:embed="rId2">
             <a:extLst>
-              <a:ext uri="{FF2B5EF4-FFF2-40B4-BE49-F238E27FC236}">
-                <a16:creationId xmlns:a16="http://schemas.microsoft.com/office/drawing/2014/main" id="{A79DDF71-66DD-72DC-9DAD-2441BCFB025A}"/>
+              <a:ext uri="{28A0092B-C50C-407E-A947-70E740481C1C}">
+                <a14:useLocalDpi xmlns:a14="http://schemas.microsoft.com/office/drawing/2010/main" val="0"/>
               </a:ext>
             </a:extLst>
-          </p:cNvPr>
-          <p:cNvCxnSpPr>
-            <a:cxnSpLocks/>
-          </p:cNvCxnSpPr>
-          <p:nvPr/>
-        </p:nvCxnSpPr>
-        <p:spPr>
+          </a:blip>
+          <a:srcRect l="19864" t="22690" r="19864" b="20801"/>
+          <a:stretch/>
+        </p:blipFill>
+        <p:spPr bwMode="auto">
           <a:xfrm>
-            <a:off x="9455287" y="4815530"/>
-            <a:ext cx="1080000" cy="0"/>
-          </a:xfrm>
-          <a:prstGeom prst="line">
-            <a:avLst/>
-          </a:prstGeom>
-          <a:ln w="127000">
-            <a:solidFill>
-              <a:srgbClr val="8EC63F"/>
-            </a:solidFill>
-            <a:headEnd type="oval"/>
-          </a:ln>
-        </p:spPr>
-        <p:style>
-          <a:lnRef idx="1">
-            <a:schemeClr val="accent1"/>
-          </a:lnRef>
-          <a:fillRef idx="0">
-            <a:schemeClr val="accent1"/>
-          </a:fillRef>
-          <a:effectRef idx="0">
-            <a:schemeClr val="accent1"/>
-          </a:effectRef>
-          <a:fontRef idx="minor">
-            <a:schemeClr val="tx1"/>
-          </a:fontRef>
-        </p:style>
-      </p:cxnSp>
-      <p:cxnSp>
-        <p:nvCxnSpPr>
-          <p:cNvPr id="7" name="直線コネクタ 6">
-            <a:extLst>
-              <a:ext uri="{FF2B5EF4-FFF2-40B4-BE49-F238E27FC236}">
-                <a16:creationId xmlns:a16="http://schemas.microsoft.com/office/drawing/2014/main" id="{90678FD3-C7F2-4834-21D3-37428D0F3A52}"/>
-              </a:ext>
-            </a:extLst>
-          </p:cNvPr>
-          <p:cNvCxnSpPr>
-            <a:cxnSpLocks/>
-          </p:cNvCxnSpPr>
-          <p:nvPr/>
-        </p:nvCxnSpPr>
-        <p:spPr>
-          <a:xfrm>
-            <a:off x="9455287" y="5889971"/>
-            <a:ext cx="1080000" cy="0"/>
-          </a:xfrm>
-          <a:prstGeom prst="line">
-            <a:avLst/>
-          </a:prstGeom>
-          <a:ln w="127000">
-            <a:solidFill>
-              <a:schemeClr val="bg1">
-                <a:lumMod val="85000"/>
-              </a:schemeClr>
-            </a:solidFill>
-            <a:headEnd type="oval"/>
-          </a:ln>
-        </p:spPr>
-        <p:style>
-          <a:lnRef idx="1">
-            <a:schemeClr val="accent1"/>
-          </a:lnRef>
-          <a:fillRef idx="0">
-            <a:schemeClr val="accent1"/>
-          </a:fillRef>
-          <a:effectRef idx="0">
-            <a:schemeClr val="accent1"/>
-          </a:effectRef>
-          <a:fontRef idx="minor">
-            <a:schemeClr val="tx1"/>
-          </a:fontRef>
-        </p:style>
-      </p:cxnSp>
-      <p:cxnSp>
-        <p:nvCxnSpPr>
-          <p:cNvPr id="8" name="直線コネクタ 7">
-            <a:extLst>
-              <a:ext uri="{FF2B5EF4-FFF2-40B4-BE49-F238E27FC236}">
-                <a16:creationId xmlns:a16="http://schemas.microsoft.com/office/drawing/2014/main" id="{CCA8F1F0-B0C1-0E58-BD1F-F0C3D85FBC6B}"/>
-              </a:ext>
-            </a:extLst>
-          </p:cNvPr>
-          <p:cNvCxnSpPr>
-            <a:cxnSpLocks/>
-          </p:cNvCxnSpPr>
-          <p:nvPr/>
-        </p:nvCxnSpPr>
-        <p:spPr>
-          <a:xfrm>
-            <a:off x="9455287" y="6965328"/>
-            <a:ext cx="1080000" cy="0"/>
-          </a:xfrm>
-          <a:prstGeom prst="line">
-            <a:avLst/>
-          </a:prstGeom>
-          <a:ln w="127000">
-            <a:solidFill>
-              <a:schemeClr val="bg1">
-                <a:lumMod val="85000"/>
-              </a:schemeClr>
-            </a:solidFill>
-            <a:headEnd type="oval"/>
-          </a:ln>
-        </p:spPr>
-        <p:style>
-          <a:lnRef idx="1">
-            <a:schemeClr val="accent1"/>
-          </a:lnRef>
-          <a:fillRef idx="0">
-            <a:schemeClr val="accent1"/>
-          </a:fillRef>
-          <a:effectRef idx="0">
-            <a:schemeClr val="accent1"/>
-          </a:effectRef>
-          <a:fontRef idx="minor">
-            <a:schemeClr val="tx1"/>
-          </a:fontRef>
-        </p:style>
-      </p:cxnSp>
-      <p:cxnSp>
-        <p:nvCxnSpPr>
-          <p:cNvPr id="9" name="直線コネクタ 8">
-            <a:extLst>
-              <a:ext uri="{FF2B5EF4-FFF2-40B4-BE49-F238E27FC236}">
-                <a16:creationId xmlns:a16="http://schemas.microsoft.com/office/drawing/2014/main" id="{85C8F408-BEB2-3A73-569F-B9DDC897D387}"/>
-              </a:ext>
-            </a:extLst>
-          </p:cNvPr>
-          <p:cNvCxnSpPr>
-            <a:cxnSpLocks/>
-          </p:cNvCxnSpPr>
-          <p:nvPr/>
-        </p:nvCxnSpPr>
-        <p:spPr>
-          <a:xfrm>
-            <a:off x="9455287" y="8027303"/>
-            <a:ext cx="1080000" cy="0"/>
-          </a:xfrm>
-          <a:prstGeom prst="line">
-            <a:avLst/>
-          </a:prstGeom>
-          <a:ln w="127000">
-            <a:solidFill>
-              <a:srgbClr val="01A54F"/>
-            </a:solidFill>
-            <a:headEnd type="oval"/>
-          </a:ln>
-        </p:spPr>
-        <p:style>
-          <a:lnRef idx="1">
-            <a:schemeClr val="accent1"/>
-          </a:lnRef>
-          <a:fillRef idx="0">
-            <a:schemeClr val="accent1"/>
-          </a:fillRef>
-          <a:effectRef idx="0">
-            <a:schemeClr val="accent1"/>
-          </a:effectRef>
-          <a:fontRef idx="minor">
-            <a:schemeClr val="tx1"/>
-          </a:fontRef>
-        </p:style>
-      </p:cxnSp>
-      <p:cxnSp>
-        <p:nvCxnSpPr>
-          <p:cNvPr id="10" name="直線コネクタ 9">
-            <a:extLst>
-              <a:ext uri="{FF2B5EF4-FFF2-40B4-BE49-F238E27FC236}">
-                <a16:creationId xmlns:a16="http://schemas.microsoft.com/office/drawing/2014/main" id="{40CF8086-12CE-48A3-4D52-6538AEDF13D4}"/>
-              </a:ext>
-            </a:extLst>
-          </p:cNvPr>
-          <p:cNvCxnSpPr>
-            <a:cxnSpLocks/>
-          </p:cNvCxnSpPr>
-          <p:nvPr/>
-        </p:nvCxnSpPr>
-        <p:spPr>
-          <a:xfrm flipH="1">
-            <a:off x="5167722" y="8027303"/>
-            <a:ext cx="1080000" cy="0"/>
-          </a:xfrm>
-          <a:prstGeom prst="line">
-            <a:avLst/>
-          </a:prstGeom>
-          <a:ln w="127000">
-            <a:solidFill>
-              <a:srgbClr val="00707E"/>
-            </a:solidFill>
-            <a:headEnd type="oval"/>
-          </a:ln>
-        </p:spPr>
-        <p:style>
-          <a:lnRef idx="1">
-            <a:schemeClr val="accent1"/>
-          </a:lnRef>
-          <a:fillRef idx="0">
-            <a:schemeClr val="accent1"/>
-          </a:fillRef>
-          <a:effectRef idx="0">
-            <a:schemeClr val="accent1"/>
-          </a:effectRef>
-          <a:fontRef idx="minor">
-            <a:schemeClr val="tx1"/>
-          </a:fontRef>
-        </p:style>
-      </p:cxnSp>
-      <p:cxnSp>
-        <p:nvCxnSpPr>
-          <p:cNvPr id="11" name="直線コネクタ 10">
-            <a:extLst>
-              <a:ext uri="{FF2B5EF4-FFF2-40B4-BE49-F238E27FC236}">
-                <a16:creationId xmlns:a16="http://schemas.microsoft.com/office/drawing/2014/main" id="{12FF17FC-952F-B8AC-AEF4-43B022EB2012}"/>
-              </a:ext>
-            </a:extLst>
-          </p:cNvPr>
-          <p:cNvCxnSpPr>
-            <a:cxnSpLocks/>
-          </p:cNvCxnSpPr>
-          <p:nvPr/>
-        </p:nvCxnSpPr>
-        <p:spPr>
-          <a:xfrm flipH="1">
-            <a:off x="5167722" y="6965328"/>
-            <a:ext cx="1080000" cy="0"/>
-          </a:xfrm>
-          <a:prstGeom prst="line">
-            <a:avLst/>
-          </a:prstGeom>
-          <a:ln w="127000">
-            <a:solidFill>
-              <a:srgbClr val="2E3192"/>
-            </a:solidFill>
-            <a:headEnd type="oval"/>
-          </a:ln>
-        </p:spPr>
-        <p:style>
-          <a:lnRef idx="1">
-            <a:schemeClr val="accent1"/>
-          </a:lnRef>
-          <a:fillRef idx="0">
-            <a:schemeClr val="accent1"/>
-          </a:fillRef>
-          <a:effectRef idx="0">
-            <a:schemeClr val="accent1"/>
-          </a:effectRef>
-          <a:fontRef idx="minor">
-            <a:schemeClr val="tx1"/>
-          </a:fontRef>
-        </p:style>
-      </p:cxnSp>
-      <p:cxnSp>
-        <p:nvCxnSpPr>
-          <p:cNvPr id="12" name="直線コネクタ 11">
-            <a:extLst>
-              <a:ext uri="{FF2B5EF4-FFF2-40B4-BE49-F238E27FC236}">
-                <a16:creationId xmlns:a16="http://schemas.microsoft.com/office/drawing/2014/main" id="{B6378FFD-C0B7-7383-AB2B-D4C1143BD58C}"/>
-              </a:ext>
-            </a:extLst>
-          </p:cNvPr>
-          <p:cNvCxnSpPr>
-            <a:cxnSpLocks/>
-          </p:cNvCxnSpPr>
-          <p:nvPr/>
-        </p:nvCxnSpPr>
-        <p:spPr>
-          <a:xfrm flipH="1">
-            <a:off x="5167722" y="5889971"/>
-            <a:ext cx="1080000" cy="0"/>
-          </a:xfrm>
-          <a:prstGeom prst="line">
-            <a:avLst/>
-          </a:prstGeom>
-          <a:ln w="127000">
-            <a:solidFill>
-              <a:srgbClr val="912690"/>
-            </a:solidFill>
-            <a:headEnd type="oval"/>
-          </a:ln>
-        </p:spPr>
-        <p:style>
-          <a:lnRef idx="1">
-            <a:schemeClr val="accent1"/>
-          </a:lnRef>
-          <a:fillRef idx="0">
-            <a:schemeClr val="accent1"/>
-          </a:fillRef>
-          <a:effectRef idx="0">
-            <a:schemeClr val="accent1"/>
-          </a:effectRef>
-          <a:fontRef idx="minor">
-            <a:schemeClr val="tx1"/>
-          </a:fontRef>
-        </p:style>
-      </p:cxnSp>
-      <p:cxnSp>
-        <p:nvCxnSpPr>
-          <p:cNvPr id="13" name="直線コネクタ 12">
-            <a:extLst>
-              <a:ext uri="{FF2B5EF4-FFF2-40B4-BE49-F238E27FC236}">
-                <a16:creationId xmlns:a16="http://schemas.microsoft.com/office/drawing/2014/main" id="{988710F5-0483-3B58-4F14-F87CC1826E76}"/>
-              </a:ext>
-            </a:extLst>
-          </p:cNvPr>
-          <p:cNvCxnSpPr>
-            <a:cxnSpLocks/>
-          </p:cNvCxnSpPr>
-          <p:nvPr/>
-        </p:nvCxnSpPr>
-        <p:spPr>
-          <a:xfrm flipH="1">
-            <a:off x="5167722" y="4815530"/>
-            <a:ext cx="1080000" cy="0"/>
-          </a:xfrm>
-          <a:prstGeom prst="line">
-            <a:avLst/>
-          </a:prstGeom>
-          <a:ln w="127000">
-            <a:solidFill>
-              <a:srgbClr val="F15988"/>
-            </a:solidFill>
-            <a:headEnd type="oval"/>
-          </a:ln>
-        </p:spPr>
-        <p:style>
-          <a:lnRef idx="1">
-            <a:schemeClr val="accent1"/>
-          </a:lnRef>
-          <a:fillRef idx="0">
-            <a:schemeClr val="accent1"/>
-          </a:fillRef>
-          <a:effectRef idx="0">
-            <a:schemeClr val="accent1"/>
-          </a:effectRef>
-          <a:fontRef idx="minor">
-            <a:schemeClr val="tx1"/>
-          </a:fontRef>
-        </p:style>
-      </p:cxnSp>
-      <p:cxnSp>
-        <p:nvCxnSpPr>
-          <p:cNvPr id="14" name="直線コネクタ 13">
-            <a:extLst>
-              <a:ext uri="{FF2B5EF4-FFF2-40B4-BE49-F238E27FC236}">
-                <a16:creationId xmlns:a16="http://schemas.microsoft.com/office/drawing/2014/main" id="{921D1F31-D6CC-E059-9989-EBBA15E74879}"/>
-              </a:ext>
-            </a:extLst>
-          </p:cNvPr>
-          <p:cNvCxnSpPr>
-            <a:cxnSpLocks/>
-          </p:cNvCxnSpPr>
-          <p:nvPr/>
-        </p:nvCxnSpPr>
-        <p:spPr>
-          <a:xfrm flipH="1">
-            <a:off x="5167722" y="3756575"/>
-            <a:ext cx="1080000" cy="0"/>
-          </a:xfrm>
-          <a:prstGeom prst="line">
-            <a:avLst/>
-          </a:prstGeom>
-          <a:ln w="127000">
-            <a:solidFill>
-              <a:srgbClr val="EE1D23"/>
-            </a:solidFill>
-            <a:headEnd type="oval"/>
-          </a:ln>
-        </p:spPr>
-        <p:style>
-          <a:lnRef idx="1">
-            <a:schemeClr val="accent1"/>
-          </a:lnRef>
-          <a:fillRef idx="0">
-            <a:schemeClr val="accent1"/>
-          </a:fillRef>
-          <a:effectRef idx="0">
-            <a:schemeClr val="accent1"/>
-          </a:effectRef>
-          <a:fontRef idx="minor">
-            <a:schemeClr val="tx1"/>
-          </a:fontRef>
-        </p:style>
-      </p:cxnSp>
-      <p:cxnSp>
-        <p:nvCxnSpPr>
-          <p:cNvPr id="15" name="直線コネクタ 14">
-            <a:extLst>
-              <a:ext uri="{FF2B5EF4-FFF2-40B4-BE49-F238E27FC236}">
-                <a16:creationId xmlns:a16="http://schemas.microsoft.com/office/drawing/2014/main" id="{5591740C-1B6F-1CCD-D3A4-9718AA43BE5D}"/>
-              </a:ext>
-            </a:extLst>
-          </p:cNvPr>
-          <p:cNvCxnSpPr>
-            <a:cxnSpLocks/>
-          </p:cNvCxnSpPr>
-          <p:nvPr/>
-        </p:nvCxnSpPr>
-        <p:spPr>
-          <a:xfrm flipV="1">
-            <a:off x="8386467" y="2665793"/>
-            <a:ext cx="0" cy="1080000"/>
-          </a:xfrm>
-          <a:prstGeom prst="line">
-            <a:avLst/>
-          </a:prstGeom>
-          <a:ln w="127000">
-            <a:solidFill>
-              <a:srgbClr val="F8931D"/>
-            </a:solidFill>
-            <a:headEnd type="oval"/>
-          </a:ln>
-        </p:spPr>
-        <p:style>
-          <a:lnRef idx="1">
-            <a:schemeClr val="accent1"/>
-          </a:lnRef>
-          <a:fillRef idx="0">
-            <a:schemeClr val="accent1"/>
-          </a:fillRef>
-          <a:effectRef idx="0">
-            <a:schemeClr val="accent1"/>
-          </a:effectRef>
-          <a:fontRef idx="minor">
-            <a:schemeClr val="tx1"/>
-          </a:fontRef>
-        </p:style>
-      </p:cxnSp>
-      <p:sp>
-        <p:nvSpPr>
-          <p:cNvPr id="16" name="テキスト ボックス 15">
-            <a:extLst>
-              <a:ext uri="{FF2B5EF4-FFF2-40B4-BE49-F238E27FC236}">
-                <a16:creationId xmlns:a16="http://schemas.microsoft.com/office/drawing/2014/main" id="{B283E953-876E-A1A2-C527-7737AD83BF4F}"/>
-              </a:ext>
-            </a:extLst>
-          </p:cNvPr>
-          <p:cNvSpPr txBox="1"/>
-          <p:nvPr/>
-        </p:nvSpPr>
-        <p:spPr>
-          <a:xfrm>
-            <a:off x="2084527" y="3525743"/>
-            <a:ext cx="3074509" cy="461665"/>
+            <a:off x="2860428" y="2685079"/>
+            <a:ext cx="8679355" cy="5424594"/>
           </a:xfrm>
           <a:prstGeom prst="rect">
             <a:avLst/>
           </a:prstGeom>
           <a:noFill/>
-        </p:spPr>
-        <p:txBody>
-          <a:bodyPr wrap="square" rtlCol="0">
-            <a:spAutoFit/>
-          </a:bodyPr>
-          <a:lstStyle/>
-          <a:p>
-            <a:pPr algn="r"/>
-            <a:r>
-              <a:rPr kumimoji="1" lang="en-US" altLang="ja-JP" sz="2400" b="1" dirty="0">
+          <a:ln>
+            <a:noFill/>
+          </a:ln>
+          <a:extLst>
+            <a:ext uri="{909E8E84-426E-40DD-AFC4-6F175D3DCCD1}">
+              <a14:hiddenFill xmlns:a14="http://schemas.microsoft.com/office/drawing/2010/main">
                 <a:solidFill>
-                  <a:srgbClr val="FF0000"/>
+                  <a:srgbClr val="FFFFFF"/>
                 </a:solidFill>
-                <a:latin typeface="Times New Roman" panose="02020603050405020304" pitchFamily="18" charset="0"/>
-                <a:cs typeface="Times New Roman" panose="02020603050405020304" pitchFamily="18" charset="0"/>
-              </a:rPr>
-              <a:t>VDD 1.71V to 3.6V</a:t>
-            </a:r>
-            <a:endParaRPr kumimoji="1" lang="ja-JP" altLang="en-US" sz="2400" b="1" dirty="0">
-              <a:solidFill>
-                <a:srgbClr val="FF0000"/>
-              </a:solidFill>
-              <a:latin typeface="Times New Roman" panose="02020603050405020304" pitchFamily="18" charset="0"/>
-              <a:cs typeface="Times New Roman" panose="02020603050405020304" pitchFamily="18" charset="0"/>
-            </a:endParaRPr>
-          </a:p>
-        </p:txBody>
-      </p:sp>
-      <p:sp>
-        <p:nvSpPr>
-          <p:cNvPr id="17" name="テキスト ボックス 16">
-            <a:extLst>
-              <a:ext uri="{FF2B5EF4-FFF2-40B4-BE49-F238E27FC236}">
-                <a16:creationId xmlns:a16="http://schemas.microsoft.com/office/drawing/2014/main" id="{CBAAB26E-94AF-C5BC-0AE8-4AA32DE2B437}"/>
-              </a:ext>
-            </a:extLst>
-          </p:cNvPr>
-          <p:cNvSpPr txBox="1"/>
-          <p:nvPr/>
-        </p:nvSpPr>
-        <p:spPr>
-          <a:xfrm>
-            <a:off x="2084527" y="4584698"/>
-            <a:ext cx="3074509" cy="461665"/>
-          </a:xfrm>
-          <a:prstGeom prst="rect">
-            <a:avLst/>
-          </a:prstGeom>
-          <a:noFill/>
-        </p:spPr>
-        <p:txBody>
-          <a:bodyPr wrap="square" rtlCol="0">
-            <a:spAutoFit/>
-          </a:bodyPr>
-          <a:lstStyle/>
-          <a:p>
-            <a:pPr algn="r"/>
-            <a:r>
-              <a:rPr kumimoji="1" lang="en-US" altLang="ja-JP" sz="2400" b="1" dirty="0">
-                <a:solidFill>
-                  <a:srgbClr val="F15988"/>
-                </a:solidFill>
-                <a:latin typeface="Times New Roman" panose="02020603050405020304" pitchFamily="18" charset="0"/>
-                <a:cs typeface="Times New Roman" panose="02020603050405020304" pitchFamily="18" charset="0"/>
-              </a:rPr>
-              <a:t>VDDIO 1.71V to 3.6V</a:t>
-            </a:r>
-            <a:endParaRPr kumimoji="1" lang="ja-JP" altLang="en-US" sz="2400" b="1" dirty="0">
-              <a:solidFill>
-                <a:srgbClr val="F15988"/>
-              </a:solidFill>
-              <a:latin typeface="Times New Roman" panose="02020603050405020304" pitchFamily="18" charset="0"/>
-              <a:cs typeface="Times New Roman" panose="02020603050405020304" pitchFamily="18" charset="0"/>
-            </a:endParaRPr>
-          </a:p>
-        </p:txBody>
-      </p:sp>
-      <p:sp>
-        <p:nvSpPr>
-          <p:cNvPr id="18" name="テキスト ボックス 17">
-            <a:extLst>
-              <a:ext uri="{FF2B5EF4-FFF2-40B4-BE49-F238E27FC236}">
-                <a16:creationId xmlns:a16="http://schemas.microsoft.com/office/drawing/2014/main" id="{BAB5DFF3-2795-8CFB-6071-DD1C604FCB2B}"/>
-              </a:ext>
-            </a:extLst>
-          </p:cNvPr>
-          <p:cNvSpPr txBox="1"/>
-          <p:nvPr/>
-        </p:nvSpPr>
-        <p:spPr>
-          <a:xfrm>
-            <a:off x="10513455" y="3525743"/>
-            <a:ext cx="1802230" cy="461665"/>
-          </a:xfrm>
-          <a:prstGeom prst="rect">
-            <a:avLst/>
-          </a:prstGeom>
-          <a:noFill/>
-        </p:spPr>
-        <p:txBody>
-          <a:bodyPr wrap="square" rtlCol="0">
-            <a:spAutoFit/>
-          </a:bodyPr>
-          <a:lstStyle/>
-          <a:p>
-            <a:r>
-              <a:rPr kumimoji="1" lang="en-US" altLang="ja-JP" sz="2400" b="1" dirty="0">
-                <a:latin typeface="Times New Roman" panose="02020603050405020304" pitchFamily="18" charset="0"/>
-                <a:cs typeface="Times New Roman" panose="02020603050405020304" pitchFamily="18" charset="0"/>
-              </a:rPr>
-              <a:t>GND</a:t>
-            </a:r>
-            <a:endParaRPr kumimoji="1" lang="ja-JP" altLang="en-US" sz="2400" b="1" dirty="0">
-              <a:latin typeface="Times New Roman" panose="02020603050405020304" pitchFamily="18" charset="0"/>
-              <a:cs typeface="Times New Roman" panose="02020603050405020304" pitchFamily="18" charset="0"/>
-            </a:endParaRPr>
-          </a:p>
-        </p:txBody>
-      </p:sp>
-      <p:sp>
-        <p:nvSpPr>
-          <p:cNvPr id="20" name="テキスト ボックス 19">
-            <a:extLst>
-              <a:ext uri="{FF2B5EF4-FFF2-40B4-BE49-F238E27FC236}">
-                <a16:creationId xmlns:a16="http://schemas.microsoft.com/office/drawing/2014/main" id="{6D62BB72-74CE-08DD-D954-C7FB001C1C9B}"/>
-              </a:ext>
-            </a:extLst>
-          </p:cNvPr>
-          <p:cNvSpPr txBox="1"/>
-          <p:nvPr/>
-        </p:nvSpPr>
-        <p:spPr>
-          <a:xfrm>
-            <a:off x="2084527" y="5659139"/>
-            <a:ext cx="3074509" cy="461665"/>
-          </a:xfrm>
-          <a:prstGeom prst="rect">
-            <a:avLst/>
-          </a:prstGeom>
-          <a:noFill/>
-        </p:spPr>
-        <p:txBody>
-          <a:bodyPr wrap="square" rtlCol="0">
-            <a:spAutoFit/>
-          </a:bodyPr>
-          <a:lstStyle/>
-          <a:p>
-            <a:pPr algn="r"/>
-            <a:r>
-              <a:rPr kumimoji="1" lang="en-US" altLang="ja-JP" sz="2400" b="1" dirty="0">
-                <a:solidFill>
-                  <a:srgbClr val="912690"/>
-                </a:solidFill>
-                <a:latin typeface="Times New Roman" panose="02020603050405020304" pitchFamily="18" charset="0"/>
-                <a:cs typeface="Times New Roman" panose="02020603050405020304" pitchFamily="18" charset="0"/>
-              </a:rPr>
-              <a:t>SCL</a:t>
-            </a:r>
-            <a:r>
-              <a:rPr kumimoji="1" lang="ja-JP" altLang="en-US" sz="2400" b="1" dirty="0">
-                <a:solidFill>
-                  <a:srgbClr val="912690"/>
-                </a:solidFill>
-                <a:latin typeface="Times New Roman" panose="02020603050405020304" pitchFamily="18" charset="0"/>
-                <a:cs typeface="Times New Roman" panose="02020603050405020304" pitchFamily="18" charset="0"/>
-              </a:rPr>
-              <a:t> </a:t>
-            </a:r>
-            <a:r>
-              <a:rPr kumimoji="1" lang="en-US" altLang="ja-JP" sz="2400" b="1" dirty="0">
-                <a:solidFill>
-                  <a:srgbClr val="912690"/>
-                </a:solidFill>
-                <a:latin typeface="Times New Roman" panose="02020603050405020304" pitchFamily="18" charset="0"/>
-                <a:cs typeface="Times New Roman" panose="02020603050405020304" pitchFamily="18" charset="0"/>
-              </a:rPr>
-              <a:t>/ SCLK</a:t>
-            </a:r>
-            <a:endParaRPr kumimoji="1" lang="ja-JP" altLang="en-US" sz="2400" b="1" dirty="0">
-              <a:solidFill>
-                <a:srgbClr val="912690"/>
-              </a:solidFill>
-              <a:latin typeface="Times New Roman" panose="02020603050405020304" pitchFamily="18" charset="0"/>
-              <a:cs typeface="Times New Roman" panose="02020603050405020304" pitchFamily="18" charset="0"/>
-            </a:endParaRPr>
-          </a:p>
-        </p:txBody>
-      </p:sp>
-      <p:sp>
-        <p:nvSpPr>
-          <p:cNvPr id="21" name="テキスト ボックス 20">
-            <a:extLst>
-              <a:ext uri="{FF2B5EF4-FFF2-40B4-BE49-F238E27FC236}">
-                <a16:creationId xmlns:a16="http://schemas.microsoft.com/office/drawing/2014/main" id="{FFFF087C-4BFF-DDF1-F12E-4E04A9A8B7B4}"/>
-              </a:ext>
-            </a:extLst>
-          </p:cNvPr>
-          <p:cNvSpPr txBox="1"/>
-          <p:nvPr/>
-        </p:nvSpPr>
-        <p:spPr>
-          <a:xfrm>
-            <a:off x="2084527" y="6734496"/>
-            <a:ext cx="3074509" cy="461665"/>
-          </a:xfrm>
-          <a:prstGeom prst="rect">
-            <a:avLst/>
-          </a:prstGeom>
-          <a:noFill/>
-        </p:spPr>
-        <p:txBody>
-          <a:bodyPr wrap="square" rtlCol="0">
-            <a:spAutoFit/>
-          </a:bodyPr>
-          <a:lstStyle/>
-          <a:p>
-            <a:pPr algn="r"/>
-            <a:r>
-              <a:rPr kumimoji="1" lang="en-US" altLang="ja-JP" sz="2400" b="1" dirty="0">
-                <a:solidFill>
-                  <a:srgbClr val="2E3192"/>
-                </a:solidFill>
-                <a:latin typeface="Times New Roman" panose="02020603050405020304" pitchFamily="18" charset="0"/>
-                <a:cs typeface="Times New Roman" panose="02020603050405020304" pitchFamily="18" charset="0"/>
-              </a:rPr>
-              <a:t>SDA / SDI</a:t>
-            </a:r>
-            <a:endParaRPr kumimoji="1" lang="ja-JP" altLang="en-US" sz="2400" b="1" dirty="0">
-              <a:solidFill>
-                <a:srgbClr val="2E3192"/>
-              </a:solidFill>
-              <a:latin typeface="Times New Roman" panose="02020603050405020304" pitchFamily="18" charset="0"/>
-              <a:cs typeface="Times New Roman" panose="02020603050405020304" pitchFamily="18" charset="0"/>
-            </a:endParaRPr>
-          </a:p>
-        </p:txBody>
-      </p:sp>
-      <p:sp>
-        <p:nvSpPr>
-          <p:cNvPr id="22" name="テキスト ボックス 21">
-            <a:extLst>
-              <a:ext uri="{FF2B5EF4-FFF2-40B4-BE49-F238E27FC236}">
-                <a16:creationId xmlns:a16="http://schemas.microsoft.com/office/drawing/2014/main" id="{CE1A0709-FFEC-EDEB-DCEE-A14C514BD455}"/>
-              </a:ext>
-            </a:extLst>
-          </p:cNvPr>
-          <p:cNvSpPr txBox="1"/>
-          <p:nvPr/>
-        </p:nvSpPr>
-        <p:spPr>
-          <a:xfrm>
-            <a:off x="2084527" y="7796471"/>
-            <a:ext cx="3074509" cy="461665"/>
-          </a:xfrm>
-          <a:prstGeom prst="rect">
-            <a:avLst/>
-          </a:prstGeom>
-          <a:noFill/>
-        </p:spPr>
-        <p:txBody>
-          <a:bodyPr wrap="square" rtlCol="0">
-            <a:spAutoFit/>
-          </a:bodyPr>
-          <a:lstStyle/>
-          <a:p>
-            <a:pPr algn="r"/>
-            <a:r>
-              <a:rPr kumimoji="1" lang="en-US" altLang="ja-JP" sz="2400" b="1" dirty="0">
-                <a:solidFill>
-                  <a:srgbClr val="00707E"/>
-                </a:solidFill>
-                <a:latin typeface="Times New Roman" panose="02020603050405020304" pitchFamily="18" charset="0"/>
-                <a:cs typeface="Times New Roman" panose="02020603050405020304" pitchFamily="18" charset="0"/>
-              </a:rPr>
-              <a:t>AD0 / SDO</a:t>
-            </a:r>
-            <a:endParaRPr kumimoji="1" lang="ja-JP" altLang="en-US" sz="2400" b="1" dirty="0">
-              <a:solidFill>
-                <a:srgbClr val="00707E"/>
-              </a:solidFill>
-              <a:latin typeface="Times New Roman" panose="02020603050405020304" pitchFamily="18" charset="0"/>
-              <a:cs typeface="Times New Roman" panose="02020603050405020304" pitchFamily="18" charset="0"/>
-            </a:endParaRPr>
-          </a:p>
-        </p:txBody>
-      </p:sp>
-      <p:sp>
-        <p:nvSpPr>
-          <p:cNvPr id="23" name="テキスト ボックス 22">
-            <a:extLst>
-              <a:ext uri="{FF2B5EF4-FFF2-40B4-BE49-F238E27FC236}">
-                <a16:creationId xmlns:a16="http://schemas.microsoft.com/office/drawing/2014/main" id="{6A0EE1D5-A047-7FFB-2DAB-77C9E55833B7}"/>
-              </a:ext>
-            </a:extLst>
-          </p:cNvPr>
-          <p:cNvSpPr txBox="1"/>
-          <p:nvPr/>
-        </p:nvSpPr>
-        <p:spPr>
-          <a:xfrm>
-            <a:off x="10513455" y="7796471"/>
-            <a:ext cx="1802230" cy="461665"/>
-          </a:xfrm>
-          <a:prstGeom prst="rect">
-            <a:avLst/>
-          </a:prstGeom>
-          <a:noFill/>
-        </p:spPr>
-        <p:txBody>
-          <a:bodyPr wrap="square" rtlCol="0">
-            <a:spAutoFit/>
-          </a:bodyPr>
-          <a:lstStyle/>
-          <a:p>
-            <a:r>
-              <a:rPr kumimoji="1" lang="en-US" altLang="ja-JP" sz="2400" b="1" dirty="0">
-                <a:solidFill>
-                  <a:srgbClr val="01A54F"/>
-                </a:solidFill>
-                <a:latin typeface="Times New Roman" panose="02020603050405020304" pitchFamily="18" charset="0"/>
-                <a:cs typeface="Times New Roman" panose="02020603050405020304" pitchFamily="18" charset="0"/>
-              </a:rPr>
-              <a:t>CS</a:t>
-            </a:r>
-            <a:endParaRPr kumimoji="1" lang="ja-JP" altLang="en-US" sz="2400" b="1" dirty="0">
-              <a:solidFill>
-                <a:srgbClr val="01A54F"/>
-              </a:solidFill>
-              <a:latin typeface="Times New Roman" panose="02020603050405020304" pitchFamily="18" charset="0"/>
-              <a:cs typeface="Times New Roman" panose="02020603050405020304" pitchFamily="18" charset="0"/>
-            </a:endParaRPr>
-          </a:p>
-        </p:txBody>
-      </p:sp>
-      <p:sp>
-        <p:nvSpPr>
-          <p:cNvPr id="24" name="テキスト ボックス 23">
-            <a:extLst>
-              <a:ext uri="{FF2B5EF4-FFF2-40B4-BE49-F238E27FC236}">
-                <a16:creationId xmlns:a16="http://schemas.microsoft.com/office/drawing/2014/main" id="{B75228DE-766D-EB66-22CE-B657773E9CA5}"/>
-              </a:ext>
-            </a:extLst>
-          </p:cNvPr>
-          <p:cNvSpPr txBox="1"/>
-          <p:nvPr/>
-        </p:nvSpPr>
-        <p:spPr>
-          <a:xfrm>
-            <a:off x="10513455" y="6734496"/>
-            <a:ext cx="1802230" cy="461665"/>
-          </a:xfrm>
-          <a:prstGeom prst="rect">
-            <a:avLst/>
-          </a:prstGeom>
-          <a:noFill/>
-        </p:spPr>
-        <p:txBody>
-          <a:bodyPr wrap="square" rtlCol="0">
-            <a:spAutoFit/>
-          </a:bodyPr>
-          <a:lstStyle/>
-          <a:p>
-            <a:r>
-              <a:rPr kumimoji="1" lang="en-US" altLang="ja-JP" sz="2400" b="1" dirty="0">
-                <a:solidFill>
-                  <a:schemeClr val="bg1">
-                    <a:lumMod val="85000"/>
-                  </a:schemeClr>
-                </a:solidFill>
-                <a:latin typeface="Times New Roman" panose="02020603050405020304" pitchFamily="18" charset="0"/>
-                <a:cs typeface="Times New Roman" panose="02020603050405020304" pitchFamily="18" charset="0"/>
-              </a:rPr>
-              <a:t>NC</a:t>
-            </a:r>
-            <a:endParaRPr kumimoji="1" lang="ja-JP" altLang="en-US" sz="2400" b="1" dirty="0">
-              <a:solidFill>
-                <a:schemeClr val="bg1">
-                  <a:lumMod val="85000"/>
-                </a:schemeClr>
-              </a:solidFill>
-              <a:latin typeface="Times New Roman" panose="02020603050405020304" pitchFamily="18" charset="0"/>
-              <a:cs typeface="Times New Roman" panose="02020603050405020304" pitchFamily="18" charset="0"/>
-            </a:endParaRPr>
-          </a:p>
-        </p:txBody>
-      </p:sp>
-      <p:sp>
-        <p:nvSpPr>
-          <p:cNvPr id="25" name="テキスト ボックス 24">
-            <a:extLst>
-              <a:ext uri="{FF2B5EF4-FFF2-40B4-BE49-F238E27FC236}">
-                <a16:creationId xmlns:a16="http://schemas.microsoft.com/office/drawing/2014/main" id="{83D0BCA3-1E85-14B5-09BE-2D5B867E86C2}"/>
-              </a:ext>
-            </a:extLst>
-          </p:cNvPr>
-          <p:cNvSpPr txBox="1"/>
-          <p:nvPr/>
-        </p:nvSpPr>
-        <p:spPr>
-          <a:xfrm>
-            <a:off x="10513455" y="5659139"/>
-            <a:ext cx="1802230" cy="461665"/>
-          </a:xfrm>
-          <a:prstGeom prst="rect">
-            <a:avLst/>
-          </a:prstGeom>
-          <a:noFill/>
-        </p:spPr>
-        <p:txBody>
-          <a:bodyPr wrap="square" rtlCol="0">
-            <a:spAutoFit/>
-          </a:bodyPr>
-          <a:lstStyle/>
-          <a:p>
-            <a:r>
-              <a:rPr kumimoji="1" lang="en-US" altLang="ja-JP" sz="2400" b="1" dirty="0">
-                <a:solidFill>
-                  <a:schemeClr val="bg1">
-                    <a:lumMod val="85000"/>
-                  </a:schemeClr>
-                </a:solidFill>
-                <a:latin typeface="Times New Roman" panose="02020603050405020304" pitchFamily="18" charset="0"/>
-                <a:cs typeface="Times New Roman" panose="02020603050405020304" pitchFamily="18" charset="0"/>
-              </a:rPr>
-              <a:t>NC</a:t>
-            </a:r>
-            <a:endParaRPr kumimoji="1" lang="ja-JP" altLang="en-US" sz="2400" b="1" dirty="0">
-              <a:solidFill>
-                <a:schemeClr val="bg1">
-                  <a:lumMod val="85000"/>
-                </a:schemeClr>
-              </a:solidFill>
-              <a:latin typeface="Times New Roman" panose="02020603050405020304" pitchFamily="18" charset="0"/>
-              <a:cs typeface="Times New Roman" panose="02020603050405020304" pitchFamily="18" charset="0"/>
-            </a:endParaRPr>
-          </a:p>
-        </p:txBody>
-      </p:sp>
-      <p:sp>
-        <p:nvSpPr>
-          <p:cNvPr id="26" name="テキスト ボックス 25">
-            <a:extLst>
-              <a:ext uri="{FF2B5EF4-FFF2-40B4-BE49-F238E27FC236}">
-                <a16:creationId xmlns:a16="http://schemas.microsoft.com/office/drawing/2014/main" id="{3E812F93-57A7-1901-C643-46EB3A54C1C8}"/>
-              </a:ext>
-            </a:extLst>
-          </p:cNvPr>
-          <p:cNvSpPr txBox="1"/>
-          <p:nvPr/>
-        </p:nvSpPr>
-        <p:spPr>
-          <a:xfrm>
-            <a:off x="10513455" y="4584698"/>
-            <a:ext cx="1802230" cy="461665"/>
-          </a:xfrm>
-          <a:prstGeom prst="rect">
-            <a:avLst/>
-          </a:prstGeom>
-          <a:noFill/>
-        </p:spPr>
-        <p:txBody>
-          <a:bodyPr wrap="square" rtlCol="0">
-            <a:spAutoFit/>
-          </a:bodyPr>
-          <a:lstStyle/>
-          <a:p>
-            <a:r>
-              <a:rPr kumimoji="1" lang="en-US" altLang="ja-JP" sz="2400" b="1" dirty="0">
-                <a:solidFill>
-                  <a:srgbClr val="8EC63F"/>
-                </a:solidFill>
-                <a:latin typeface="Times New Roman" panose="02020603050405020304" pitchFamily="18" charset="0"/>
-                <a:cs typeface="Times New Roman" panose="02020603050405020304" pitchFamily="18" charset="0"/>
-              </a:rPr>
-              <a:t>INT1 / INT</a:t>
-            </a:r>
-            <a:endParaRPr kumimoji="1" lang="ja-JP" altLang="en-US" sz="2400" b="1" dirty="0">
-              <a:solidFill>
-                <a:srgbClr val="8EC63F"/>
-              </a:solidFill>
-              <a:latin typeface="Times New Roman" panose="02020603050405020304" pitchFamily="18" charset="0"/>
-              <a:cs typeface="Times New Roman" panose="02020603050405020304" pitchFamily="18" charset="0"/>
-            </a:endParaRPr>
-          </a:p>
-        </p:txBody>
-      </p:sp>
-      <p:sp>
-        <p:nvSpPr>
-          <p:cNvPr id="27" name="テキスト ボックス 26">
-            <a:extLst>
-              <a:ext uri="{FF2B5EF4-FFF2-40B4-BE49-F238E27FC236}">
-                <a16:creationId xmlns:a16="http://schemas.microsoft.com/office/drawing/2014/main" id="{B7EE5AC8-E2C9-036A-C0B4-EA3DD754156E}"/>
-              </a:ext>
-            </a:extLst>
-          </p:cNvPr>
-          <p:cNvSpPr txBox="1"/>
-          <p:nvPr/>
-        </p:nvSpPr>
-        <p:spPr>
-          <a:xfrm>
-            <a:off x="6537347" y="2204128"/>
-            <a:ext cx="3698240" cy="461665"/>
-          </a:xfrm>
-          <a:prstGeom prst="rect">
-            <a:avLst/>
-          </a:prstGeom>
-          <a:noFill/>
-        </p:spPr>
-        <p:txBody>
-          <a:bodyPr wrap="square" rtlCol="0">
-            <a:spAutoFit/>
-          </a:bodyPr>
-          <a:lstStyle/>
-          <a:p>
-            <a:pPr algn="ctr"/>
-            <a:r>
-              <a:rPr kumimoji="1" lang="en-US" altLang="ja-JP" sz="2400" b="1" dirty="0">
-                <a:solidFill>
-                  <a:srgbClr val="F8931D"/>
-                </a:solidFill>
-                <a:latin typeface="Times New Roman" panose="02020603050405020304" pitchFamily="18" charset="0"/>
-                <a:cs typeface="Times New Roman" panose="02020603050405020304" pitchFamily="18" charset="0"/>
-              </a:rPr>
-              <a:t>INT2 / FSYNC / CLKIN</a:t>
-            </a:r>
-            <a:endParaRPr kumimoji="1" lang="ja-JP" altLang="en-US" sz="2400" b="1" dirty="0">
-              <a:solidFill>
-                <a:srgbClr val="F8931D"/>
-              </a:solidFill>
-              <a:latin typeface="Times New Roman" panose="02020603050405020304" pitchFamily="18" charset="0"/>
-              <a:cs typeface="Times New Roman" panose="02020603050405020304" pitchFamily="18" charset="0"/>
-            </a:endParaRPr>
-          </a:p>
-        </p:txBody>
-      </p:sp>
-    </p:spTree>
-    <p:extLst>
-      <p:ext uri="{BB962C8B-B14F-4D97-AF65-F5344CB8AC3E}">
-        <p14:creationId xmlns:p14="http://schemas.microsoft.com/office/powerpoint/2010/main" val="2149886451"/>
-      </p:ext>
-    </p:extLst>
-  </p:cSld>
-  <p:clrMapOvr>
-    <a:masterClrMapping/>
-  </p:clrMapOvr>
-</p:sld>
-</file>
-
-<file path=ppt/slides/slide2.xml><?xml version="1.0" encoding="utf-8"?>
-<p:sld xmlns:a="http://schemas.openxmlformats.org/drawingml/2006/main" xmlns:r="http://schemas.openxmlformats.org/officeDocument/2006/relationships" xmlns:p="http://schemas.openxmlformats.org/presentationml/2006/main">
-  <p:cSld>
-    <p:spTree>
-      <p:nvGrpSpPr>
-        <p:cNvPr id="1" name=""/>
-        <p:cNvGrpSpPr/>
-        <p:nvPr/>
-      </p:nvGrpSpPr>
-      <p:grpSpPr>
-        <a:xfrm>
-          <a:off x="0" y="0"/>
-          <a:ext cx="0" cy="0"/>
-          <a:chOff x="0" y="0"/>
-          <a:chExt cx="0" cy="0"/>
-        </a:xfrm>
-      </p:grpSpPr>
-      <p:pic>
-        <p:nvPicPr>
-          <p:cNvPr id="5" name="図 4" descr="回路 が含まれている画像&#10;&#10;自動的に生成された説明">
-            <a:extLst>
-              <a:ext uri="{FF2B5EF4-FFF2-40B4-BE49-F238E27FC236}">
-                <a16:creationId xmlns:a16="http://schemas.microsoft.com/office/drawing/2014/main" id="{8CE77AF9-6A3D-3324-075F-C0E942D6D8C6}"/>
-              </a:ext>
-            </a:extLst>
-          </p:cNvPr>
-          <p:cNvPicPr>
-            <a:picLocks noChangeAspect="1"/>
-          </p:cNvPicPr>
-          <p:nvPr/>
-        </p:nvPicPr>
-        <p:blipFill rotWithShape="1">
-          <a:blip r:embed="rId2"/>
-          <a:srcRect l="20802" t="23517" r="20802" b="21318"/>
-          <a:stretch/>
-        </p:blipFill>
-        <p:spPr>
-          <a:xfrm>
-            <a:off x="2995612" y="2751931"/>
-            <a:ext cx="8408988" cy="5295900"/>
-          </a:xfrm>
-          <a:prstGeom prst="rect">
-            <a:avLst/>
-          </a:prstGeom>
+              </a14:hiddenFill>
+            </a:ext>
+          </a:extLst>
         </p:spPr>
       </p:pic>
       <p:grpSp>
@@ -5437,7 +5050,7 @@
         </p:nvGrpSpPr>
         <p:grpSpPr>
           <a:xfrm>
-            <a:off x="2492109" y="3324775"/>
+            <a:off x="2488776" y="3335283"/>
             <a:ext cx="2118250" cy="4145206"/>
             <a:chOff x="2492109" y="3324775"/>
             <a:chExt cx="2118250" cy="4145206"/>
@@ -6003,7 +5616,7 @@
         </p:nvGrpSpPr>
         <p:grpSpPr>
           <a:xfrm rot="10800000">
-            <a:off x="9789855" y="3324775"/>
+            <a:off x="9782554" y="3335408"/>
             <a:ext cx="2118250" cy="4145206"/>
             <a:chOff x="2492109" y="3324775"/>
             <a:chExt cx="2118250" cy="4145206"/>
@@ -6570,7 +6183,7 @@
         <p:spPr>
           <a:xfrm>
             <a:off x="0" y="5043433"/>
-            <a:ext cx="2492107" cy="707886"/>
+            <a:ext cx="2481474" cy="707886"/>
           </a:xfrm>
           <a:prstGeom prst="rect">
             <a:avLst/>
@@ -6585,7 +6198,7 @@
           <a:p>
             <a:pPr algn="r"/>
             <a:r>
-              <a:rPr kumimoji="1" lang="en-US" altLang="ja-JP" sz="4000" b="1">
+              <a:rPr kumimoji="1" lang="en-US" altLang="ja-JP" sz="4000" b="1" dirty="0">
                 <a:solidFill>
                   <a:srgbClr val="FF0000"/>
                 </a:solidFill>
@@ -6595,7 +6208,7 @@
               <a:t>V</a:t>
             </a:r>
             <a:r>
-              <a:rPr kumimoji="1" lang="en-US" altLang="ja-JP" sz="4000" b="1" baseline="-25000">
+              <a:rPr kumimoji="1" lang="en-US" altLang="ja-JP" sz="4000" b="1" baseline="-25000" dirty="0">
                 <a:solidFill>
                   <a:srgbClr val="FF0000"/>
                 </a:solidFill>
@@ -6621,8 +6234,8 @@
         </p:nvSpPr>
         <p:spPr>
           <a:xfrm>
-            <a:off x="11908106" y="5043433"/>
-            <a:ext cx="1599285" cy="707886"/>
+            <a:off x="11918738" y="5043432"/>
+            <a:ext cx="2481476" cy="707886"/>
           </a:xfrm>
           <a:prstGeom prst="rect">
             <a:avLst/>
@@ -6681,7 +6294,7 @@
         </p:nvCxnSpPr>
         <p:spPr>
           <a:xfrm rot="5400000">
-            <a:off x="8210687" y="8009856"/>
+            <a:off x="8210687" y="8020489"/>
             <a:ext cx="1080000" cy="0"/>
           </a:xfrm>
           <a:prstGeom prst="line">
@@ -6725,7 +6338,7 @@
         </p:nvCxnSpPr>
         <p:spPr>
           <a:xfrm rot="-5400000" flipH="1">
-            <a:off x="5097872" y="8009856"/>
+            <a:off x="5097872" y="8020489"/>
             <a:ext cx="1080000" cy="0"/>
           </a:xfrm>
           <a:prstGeom prst="line">
@@ -6769,7 +6382,7 @@
         </p:nvCxnSpPr>
         <p:spPr>
           <a:xfrm rot="-5400000" flipH="1">
-            <a:off x="6135477" y="8009856"/>
+            <a:off x="6135477" y="8020489"/>
             <a:ext cx="1080000" cy="0"/>
           </a:xfrm>
           <a:prstGeom prst="line">
@@ -6777,7 +6390,7 @@
           </a:prstGeom>
           <a:ln w="127000">
             <a:solidFill>
-              <a:srgbClr val="912690"/>
+              <a:srgbClr val="01A54F"/>
             </a:solidFill>
             <a:headEnd type="oval"/>
           </a:ln>
@@ -6813,7 +6426,7 @@
         </p:nvCxnSpPr>
         <p:spPr>
           <a:xfrm rot="10800000" flipV="1">
-            <a:off x="7713082" y="7469856"/>
+            <a:off x="7713082" y="7480489"/>
             <a:ext cx="0" cy="1080000"/>
           </a:xfrm>
           <a:prstGeom prst="line">
@@ -6898,7 +6511,7 @@
         </p:nvSpPr>
         <p:spPr>
           <a:xfrm>
-            <a:off x="5959079" y="8549855"/>
+            <a:off x="5959079" y="8560488"/>
             <a:ext cx="1440000" cy="584775"/>
           </a:xfrm>
           <a:prstGeom prst="rect">
@@ -6914,9 +6527,9 @@
           <a:p>
             <a:pPr algn="ctr"/>
             <a:r>
-              <a:rPr kumimoji="1" lang="en-US" altLang="ja-JP" sz="3200" b="1">
+              <a:rPr kumimoji="1" lang="en-US" altLang="ja-JP" sz="3200" b="1" dirty="0">
                 <a:solidFill>
-                  <a:srgbClr val="912690"/>
+                  <a:srgbClr val="01A54F"/>
                 </a:solidFill>
                 <a:latin typeface="Times New Roman" panose="02020603050405020304" pitchFamily="18" charset="0"/>
                 <a:cs typeface="Times New Roman" panose="02020603050405020304" pitchFamily="18" charset="0"/>
@@ -6925,7 +6538,7 @@
             </a:r>
             <a:endParaRPr kumimoji="1" lang="ja-JP" altLang="en-US" sz="3200" b="1" dirty="0">
               <a:solidFill>
-                <a:srgbClr val="912690"/>
+                <a:srgbClr val="01A54F"/>
               </a:solidFill>
               <a:latin typeface="Times New Roman" panose="02020603050405020304" pitchFamily="18" charset="0"/>
               <a:cs typeface="Times New Roman" panose="02020603050405020304" pitchFamily="18" charset="0"/>
@@ -6947,7 +6560,7 @@
         </p:nvSpPr>
         <p:spPr>
           <a:xfrm>
-            <a:off x="4919914" y="8549854"/>
+            <a:off x="4919914" y="8560487"/>
             <a:ext cx="1440000" cy="584775"/>
           </a:xfrm>
           <a:prstGeom prst="rect">
@@ -6996,7 +6609,7 @@
         </p:nvSpPr>
         <p:spPr>
           <a:xfrm>
-            <a:off x="6998246" y="8549856"/>
+            <a:off x="6998246" y="8560489"/>
             <a:ext cx="1440000" cy="584775"/>
           </a:xfrm>
           <a:prstGeom prst="rect">
@@ -7035,6 +6648,84 @@
     <p:extLst>
       <p:ext uri="{BB962C8B-B14F-4D97-AF65-F5344CB8AC3E}">
         <p14:creationId xmlns:p14="http://schemas.microsoft.com/office/powerpoint/2010/main" val="3159971292"/>
+      </p:ext>
+    </p:extLst>
+  </p:cSld>
+  <p:clrMapOvr>
+    <a:masterClrMapping/>
+  </p:clrMapOvr>
+</p:sld>
+</file>
+
+<file path=ppt/slides/slide2.xml><?xml version="1.0" encoding="utf-8"?>
+<p:sld xmlns:a="http://schemas.openxmlformats.org/drawingml/2006/main" xmlns:r="http://schemas.openxmlformats.org/officeDocument/2006/relationships" xmlns:p="http://schemas.openxmlformats.org/presentationml/2006/main">
+  <p:cSld>
+    <p:spTree>
+      <p:nvGrpSpPr>
+        <p:cNvPr id="1" name=""/>
+        <p:cNvGrpSpPr/>
+        <p:nvPr/>
+      </p:nvGrpSpPr>
+      <p:grpSpPr>
+        <a:xfrm>
+          <a:off x="0" y="0"/>
+          <a:ext cx="0" cy="0"/>
+          <a:chOff x="0" y="0"/>
+          <a:chExt cx="0" cy="0"/>
+        </a:xfrm>
+      </p:grpSpPr>
+      <p:pic>
+        <p:nvPicPr>
+          <p:cNvPr id="4" name="Picture 6">
+            <a:extLst>
+              <a:ext uri="{FF2B5EF4-FFF2-40B4-BE49-F238E27FC236}">
+                <a16:creationId xmlns:a16="http://schemas.microsoft.com/office/drawing/2014/main" id="{7CC03EA0-FFA0-EDB4-612E-E19693E51648}"/>
+              </a:ext>
+            </a:extLst>
+          </p:cNvPr>
+          <p:cNvPicPr>
+            <a:picLocks noChangeAspect="1" noChangeArrowheads="1"/>
+          </p:cNvPicPr>
+          <p:nvPr/>
+        </p:nvPicPr>
+        <p:blipFill rotWithShape="1">
+          <a:blip r:embed="rId2">
+            <a:extLst>
+              <a:ext uri="{28A0092B-C50C-407E-A947-70E740481C1C}">
+                <a14:useLocalDpi xmlns:a14="http://schemas.microsoft.com/office/drawing/2010/main" val="0"/>
+              </a:ext>
+            </a:extLst>
+          </a:blip>
+          <a:srcRect l="19864" t="22690" r="19864" b="20801"/>
+          <a:stretch/>
+        </p:blipFill>
+        <p:spPr bwMode="auto">
+          <a:xfrm>
+            <a:off x="2860430" y="2687583"/>
+            <a:ext cx="8679352" cy="5424595"/>
+          </a:xfrm>
+          <a:prstGeom prst="rect">
+            <a:avLst/>
+          </a:prstGeom>
+          <a:noFill/>
+          <a:ln>
+            <a:noFill/>
+          </a:ln>
+          <a:extLst>
+            <a:ext uri="{909E8E84-426E-40DD-AFC4-6F175D3DCCD1}">
+              <a14:hiddenFill xmlns:a14="http://schemas.microsoft.com/office/drawing/2010/main">
+                <a:solidFill>
+                  <a:srgbClr val="FFFFFF"/>
+                </a:solidFill>
+              </a14:hiddenFill>
+            </a:ext>
+          </a:extLst>
+        </p:spPr>
+      </p:pic>
+    </p:spTree>
+    <p:extLst>
+      <p:ext uri="{BB962C8B-B14F-4D97-AF65-F5344CB8AC3E}">
+        <p14:creationId xmlns:p14="http://schemas.microsoft.com/office/powerpoint/2010/main" val="1929352114"/>
       </p:ext>
     </p:extLst>
   </p:cSld>
@@ -7061,39 +6752,1095 @@
           <a:chExt cx="0" cy="0"/>
         </a:xfrm>
       </p:grpSpPr>
-      <p:pic>
-        <p:nvPicPr>
-          <p:cNvPr id="4" name="図 3" descr="パソコンの画面&#10;&#10;中程度の精度で自動的に生成された説明">
+      <p:grpSp>
+        <p:nvGrpSpPr>
+          <p:cNvPr id="52" name="グループ化 51">
             <a:extLst>
               <a:ext uri="{FF2B5EF4-FFF2-40B4-BE49-F238E27FC236}">
-                <a16:creationId xmlns:a16="http://schemas.microsoft.com/office/drawing/2014/main" id="{F709E766-6468-C163-1A87-62FD598AD1D5}"/>
+                <a16:creationId xmlns:a16="http://schemas.microsoft.com/office/drawing/2014/main" id="{5AC7E280-AE6F-E58C-C543-52B2F5F4E0F5}"/>
               </a:ext>
             </a:extLst>
           </p:cNvPr>
-          <p:cNvPicPr>
-            <a:picLocks noChangeAspect="1"/>
-          </p:cNvPicPr>
+          <p:cNvGrpSpPr/>
           <p:nvPr/>
-        </p:nvPicPr>
-        <p:blipFill rotWithShape="1">
-          <a:blip r:embed="rId2"/>
-          <a:srcRect l="20725" t="23517" r="20802" b="21318"/>
-          <a:stretch/>
-        </p:blipFill>
-        <p:spPr>
+        </p:nvGrpSpPr>
+        <p:grpSpPr>
           <a:xfrm>
-            <a:off x="2990055" y="2751931"/>
-            <a:ext cx="8420101" cy="5295900"/>
+            <a:off x="1250568" y="2856951"/>
+            <a:ext cx="11899076" cy="5085861"/>
+            <a:chOff x="1261200" y="1889097"/>
+            <a:chExt cx="11899076" cy="5085861"/>
           </a:xfrm>
-          <a:prstGeom prst="rect">
-            <a:avLst/>
-          </a:prstGeom>
-        </p:spPr>
-      </p:pic>
+        </p:grpSpPr>
+        <p:sp>
+          <p:nvSpPr>
+            <p:cNvPr id="4" name="正方形/長方形 3">
+              <a:extLst>
+                <a:ext uri="{FF2B5EF4-FFF2-40B4-BE49-F238E27FC236}">
+                  <a16:creationId xmlns:a16="http://schemas.microsoft.com/office/drawing/2014/main" id="{DEA77EB2-62DD-E98E-94AA-F882F30B9741}"/>
+                </a:ext>
+              </a:extLst>
+            </p:cNvPr>
+            <p:cNvSpPr>
+              <a:spLocks noChangeAspect="1"/>
+            </p:cNvSpPr>
+            <p:nvPr/>
+          </p:nvSpPr>
+          <p:spPr>
+            <a:xfrm>
+              <a:off x="5381938" y="2817630"/>
+              <a:ext cx="3657600" cy="2286000"/>
+            </a:xfrm>
+            <a:prstGeom prst="rect">
+              <a:avLst/>
+            </a:prstGeom>
+            <a:noFill/>
+            <a:ln w="28575">
+              <a:solidFill>
+                <a:schemeClr val="bg1">
+                  <a:lumMod val="75000"/>
+                </a:schemeClr>
+              </a:solidFill>
+            </a:ln>
+          </p:spPr>
+          <p:style>
+            <a:lnRef idx="2">
+              <a:schemeClr val="accent1">
+                <a:shade val="50000"/>
+              </a:schemeClr>
+            </a:lnRef>
+            <a:fillRef idx="1">
+              <a:schemeClr val="accent1"/>
+            </a:fillRef>
+            <a:effectRef idx="0">
+              <a:schemeClr val="accent1"/>
+            </a:effectRef>
+            <a:fontRef idx="minor">
+              <a:schemeClr val="lt1"/>
+            </a:fontRef>
+          </p:style>
+          <p:txBody>
+            <a:bodyPr rtlCol="0" anchor="ctr"/>
+            <a:lstStyle/>
+            <a:p>
+              <a:pPr algn="ctr"/>
+              <a:r>
+                <a:rPr lang="en-US" altLang="ja-JP" sz="3200" b="1" i="0" dirty="0">
+                  <a:solidFill>
+                    <a:schemeClr val="tx1"/>
+                  </a:solidFill>
+                  <a:effectLst/>
+                  <a:latin typeface="Times New Roman" panose="02020603050405020304" pitchFamily="18" charset="0"/>
+                  <a:cs typeface="Times New Roman" panose="02020603050405020304" pitchFamily="18" charset="0"/>
+                </a:rPr>
+                <a:t>Power Monitor Module</a:t>
+              </a:r>
+            </a:p>
+          </p:txBody>
+        </p:sp>
+        <p:sp>
+          <p:nvSpPr>
+            <p:cNvPr id="8" name="正方形/長方形 7">
+              <a:extLst>
+                <a:ext uri="{FF2B5EF4-FFF2-40B4-BE49-F238E27FC236}">
+                  <a16:creationId xmlns:a16="http://schemas.microsoft.com/office/drawing/2014/main" id="{C8064C89-40AC-1978-7724-7AF11F2D7FDF}"/>
+                </a:ext>
+              </a:extLst>
+            </p:cNvPr>
+            <p:cNvSpPr>
+              <a:spLocks/>
+            </p:cNvSpPr>
+            <p:nvPr/>
+          </p:nvSpPr>
+          <p:spPr>
+            <a:xfrm>
+              <a:off x="1261200" y="4864637"/>
+              <a:ext cx="2880000" cy="1440000"/>
+            </a:xfrm>
+            <a:prstGeom prst="rect">
+              <a:avLst/>
+            </a:prstGeom>
+            <a:noFill/>
+            <a:ln w="28575">
+              <a:solidFill>
+                <a:schemeClr val="bg1">
+                  <a:lumMod val="75000"/>
+                </a:schemeClr>
+              </a:solidFill>
+            </a:ln>
+          </p:spPr>
+          <p:style>
+            <a:lnRef idx="2">
+              <a:schemeClr val="accent1">
+                <a:shade val="50000"/>
+              </a:schemeClr>
+            </a:lnRef>
+            <a:fillRef idx="1">
+              <a:schemeClr val="accent1"/>
+            </a:fillRef>
+            <a:effectRef idx="0">
+              <a:schemeClr val="accent1"/>
+            </a:effectRef>
+            <a:fontRef idx="minor">
+              <a:schemeClr val="lt1"/>
+            </a:fontRef>
+          </p:style>
+          <p:txBody>
+            <a:bodyPr rtlCol="0" anchor="ctr"/>
+            <a:lstStyle/>
+            <a:p>
+              <a:pPr algn="ctr"/>
+              <a:r>
+                <a:rPr kumimoji="1" lang="en-US" altLang="ja-JP" sz="3200" dirty="0">
+                  <a:solidFill>
+                    <a:schemeClr val="tx1"/>
+                  </a:solidFill>
+                  <a:latin typeface="Times New Roman" panose="02020603050405020304" pitchFamily="18" charset="0"/>
+                  <a:cs typeface="Times New Roman" panose="02020603050405020304" pitchFamily="18" charset="0"/>
+                </a:rPr>
+                <a:t>Power Supply</a:t>
+              </a:r>
+              <a:br>
+                <a:rPr kumimoji="1" lang="en-US" altLang="ja-JP" sz="3200" dirty="0">
+                  <a:solidFill>
+                    <a:schemeClr val="tx1"/>
+                  </a:solidFill>
+                  <a:latin typeface="Times New Roman" panose="02020603050405020304" pitchFamily="18" charset="0"/>
+                  <a:cs typeface="Times New Roman" panose="02020603050405020304" pitchFamily="18" charset="0"/>
+                </a:rPr>
+              </a:br>
+              <a:r>
+                <a:rPr kumimoji="1" lang="en-US" altLang="ja-JP" sz="2000" dirty="0">
+                  <a:solidFill>
+                    <a:schemeClr val="tx1"/>
+                  </a:solidFill>
+                  <a:latin typeface="Times New Roman" panose="02020603050405020304" pitchFamily="18" charset="0"/>
+                  <a:cs typeface="Times New Roman" panose="02020603050405020304" pitchFamily="18" charset="0"/>
+                </a:rPr>
+                <a:t>0 V to 28V</a:t>
+              </a:r>
+              <a:endParaRPr kumimoji="1" lang="ja-JP" altLang="en-US" sz="3200" dirty="0">
+                <a:solidFill>
+                  <a:schemeClr val="tx1"/>
+                </a:solidFill>
+                <a:latin typeface="Times New Roman" panose="02020603050405020304" pitchFamily="18" charset="0"/>
+                <a:cs typeface="Times New Roman" panose="02020603050405020304" pitchFamily="18" charset="0"/>
+              </a:endParaRPr>
+            </a:p>
+          </p:txBody>
+        </p:sp>
+        <p:cxnSp>
+          <p:nvCxnSpPr>
+            <p:cNvPr id="10" name="コネクタ: カギ線 9">
+              <a:extLst>
+                <a:ext uri="{FF2B5EF4-FFF2-40B4-BE49-F238E27FC236}">
+                  <a16:creationId xmlns:a16="http://schemas.microsoft.com/office/drawing/2014/main" id="{D960897D-FECC-3398-C609-010473DACC47}"/>
+                </a:ext>
+              </a:extLst>
+            </p:cNvPr>
+            <p:cNvCxnSpPr>
+              <a:cxnSpLocks/>
+              <a:stCxn id="4" idx="1"/>
+              <a:endCxn id="8" idx="0"/>
+            </p:cNvCxnSpPr>
+            <p:nvPr/>
+          </p:nvCxnSpPr>
+          <p:spPr>
+            <a:xfrm rot="10800000" flipV="1">
+              <a:off x="2701200" y="3960629"/>
+              <a:ext cx="2680738" cy="904007"/>
+            </a:xfrm>
+            <a:prstGeom prst="bentConnector2">
+              <a:avLst/>
+            </a:prstGeom>
+            <a:ln w="38100">
+              <a:solidFill>
+                <a:srgbClr val="EE1D23"/>
+              </a:solidFill>
+              <a:headEnd type="oval"/>
+              <a:tailEnd type="oval"/>
+            </a:ln>
+          </p:spPr>
+          <p:style>
+            <a:lnRef idx="1">
+              <a:schemeClr val="accent1"/>
+            </a:lnRef>
+            <a:fillRef idx="0">
+              <a:schemeClr val="accent1"/>
+            </a:fillRef>
+            <a:effectRef idx="0">
+              <a:schemeClr val="accent1"/>
+            </a:effectRef>
+            <a:fontRef idx="minor">
+              <a:schemeClr val="tx1"/>
+            </a:fontRef>
+          </p:style>
+        </p:cxnSp>
+        <p:sp>
+          <p:nvSpPr>
+            <p:cNvPr id="12" name="正方形/長方形 11">
+              <a:extLst>
+                <a:ext uri="{FF2B5EF4-FFF2-40B4-BE49-F238E27FC236}">
+                  <a16:creationId xmlns:a16="http://schemas.microsoft.com/office/drawing/2014/main" id="{D66A2D50-2B69-89FF-3A76-BC2BC61E2E83}"/>
+                </a:ext>
+              </a:extLst>
+            </p:cNvPr>
+            <p:cNvSpPr>
+              <a:spLocks/>
+            </p:cNvSpPr>
+            <p:nvPr/>
+          </p:nvSpPr>
+          <p:spPr>
+            <a:xfrm>
+              <a:off x="10280276" y="4864637"/>
+              <a:ext cx="2880000" cy="1440000"/>
+            </a:xfrm>
+            <a:prstGeom prst="rect">
+              <a:avLst/>
+            </a:prstGeom>
+            <a:noFill/>
+            <a:ln w="28575">
+              <a:solidFill>
+                <a:schemeClr val="bg1">
+                  <a:lumMod val="75000"/>
+                </a:schemeClr>
+              </a:solidFill>
+            </a:ln>
+          </p:spPr>
+          <p:style>
+            <a:lnRef idx="2">
+              <a:schemeClr val="accent1">
+                <a:shade val="50000"/>
+              </a:schemeClr>
+            </a:lnRef>
+            <a:fillRef idx="1">
+              <a:schemeClr val="accent1"/>
+            </a:fillRef>
+            <a:effectRef idx="0">
+              <a:schemeClr val="accent1"/>
+            </a:effectRef>
+            <a:fontRef idx="minor">
+              <a:schemeClr val="lt1"/>
+            </a:fontRef>
+          </p:style>
+          <p:txBody>
+            <a:bodyPr rtlCol="0" anchor="ctr"/>
+            <a:lstStyle/>
+            <a:p>
+              <a:pPr algn="ctr"/>
+              <a:r>
+                <a:rPr kumimoji="1" lang="en-US" altLang="ja-JP" sz="3200" dirty="0">
+                  <a:solidFill>
+                    <a:schemeClr val="tx1"/>
+                  </a:solidFill>
+                  <a:latin typeface="Times New Roman" panose="02020603050405020304" pitchFamily="18" charset="0"/>
+                  <a:cs typeface="Times New Roman" panose="02020603050405020304" pitchFamily="18" charset="0"/>
+                </a:rPr>
+                <a:t>Load</a:t>
+              </a:r>
+              <a:br>
+                <a:rPr kumimoji="1" lang="en-US" altLang="ja-JP" sz="3200" dirty="0">
+                  <a:solidFill>
+                    <a:schemeClr val="tx1"/>
+                  </a:solidFill>
+                  <a:latin typeface="Times New Roman" panose="02020603050405020304" pitchFamily="18" charset="0"/>
+                  <a:cs typeface="Times New Roman" panose="02020603050405020304" pitchFamily="18" charset="0"/>
+                </a:rPr>
+              </a:br>
+              <a:r>
+                <a:rPr kumimoji="1" lang="en-US" altLang="ja-JP" sz="2000" dirty="0">
+                  <a:solidFill>
+                    <a:schemeClr val="tx1"/>
+                  </a:solidFill>
+                  <a:latin typeface="Times New Roman" panose="02020603050405020304" pitchFamily="18" charset="0"/>
+                  <a:cs typeface="Times New Roman" panose="02020603050405020304" pitchFamily="18" charset="0"/>
+                </a:rPr>
+                <a:t>Max. 20A</a:t>
+              </a:r>
+              <a:endParaRPr kumimoji="1" lang="ja-JP" altLang="en-US" sz="3200" dirty="0">
+                <a:solidFill>
+                  <a:schemeClr val="tx1"/>
+                </a:solidFill>
+                <a:latin typeface="Times New Roman" panose="02020603050405020304" pitchFamily="18" charset="0"/>
+                <a:cs typeface="Times New Roman" panose="02020603050405020304" pitchFamily="18" charset="0"/>
+              </a:endParaRPr>
+            </a:p>
+          </p:txBody>
+        </p:sp>
+        <p:cxnSp>
+          <p:nvCxnSpPr>
+            <p:cNvPr id="13" name="コネクタ: カギ線 12">
+              <a:extLst>
+                <a:ext uri="{FF2B5EF4-FFF2-40B4-BE49-F238E27FC236}">
+                  <a16:creationId xmlns:a16="http://schemas.microsoft.com/office/drawing/2014/main" id="{182CF98B-856B-AE84-99E2-06A1106DD42C}"/>
+                </a:ext>
+              </a:extLst>
+            </p:cNvPr>
+            <p:cNvCxnSpPr>
+              <a:cxnSpLocks/>
+              <a:stCxn id="4" idx="3"/>
+              <a:endCxn id="12" idx="0"/>
+            </p:cNvCxnSpPr>
+            <p:nvPr/>
+          </p:nvCxnSpPr>
+          <p:spPr>
+            <a:xfrm>
+              <a:off x="9039538" y="3960630"/>
+              <a:ext cx="2680738" cy="904007"/>
+            </a:xfrm>
+            <a:prstGeom prst="bentConnector2">
+              <a:avLst/>
+            </a:prstGeom>
+            <a:ln w="28575">
+              <a:solidFill>
+                <a:srgbClr val="F15988"/>
+              </a:solidFill>
+              <a:headEnd type="oval"/>
+              <a:tailEnd type="oval"/>
+            </a:ln>
+          </p:spPr>
+          <p:style>
+            <a:lnRef idx="1">
+              <a:schemeClr val="accent1"/>
+            </a:lnRef>
+            <a:fillRef idx="0">
+              <a:schemeClr val="accent1"/>
+            </a:fillRef>
+            <a:effectRef idx="0">
+              <a:schemeClr val="accent1"/>
+            </a:effectRef>
+            <a:fontRef idx="minor">
+              <a:schemeClr val="tx1"/>
+            </a:fontRef>
+          </p:style>
+        </p:cxnSp>
+        <p:cxnSp>
+          <p:nvCxnSpPr>
+            <p:cNvPr id="16" name="コネクタ: カギ線 15">
+              <a:extLst>
+                <a:ext uri="{FF2B5EF4-FFF2-40B4-BE49-F238E27FC236}">
+                  <a16:creationId xmlns:a16="http://schemas.microsoft.com/office/drawing/2014/main" id="{F868F0FF-418A-769A-4D1D-9AC8209097F1}"/>
+                </a:ext>
+              </a:extLst>
+            </p:cNvPr>
+            <p:cNvCxnSpPr>
+              <a:cxnSpLocks/>
+              <a:stCxn id="12" idx="2"/>
+              <a:endCxn id="8" idx="2"/>
+            </p:cNvCxnSpPr>
+            <p:nvPr/>
+          </p:nvCxnSpPr>
+          <p:spPr>
+            <a:xfrm rot="5400000">
+              <a:off x="7220276" y="1804637"/>
+              <a:ext cx="12700" cy="9000000"/>
+            </a:xfrm>
+            <a:prstGeom prst="bentConnector3">
+              <a:avLst>
+                <a:gd name="adj1" fmla="val 5316276"/>
+              </a:avLst>
+            </a:prstGeom>
+            <a:ln w="38100">
+              <a:solidFill>
+                <a:schemeClr val="tx1"/>
+              </a:solidFill>
+              <a:headEnd type="oval"/>
+              <a:tailEnd type="oval"/>
+            </a:ln>
+          </p:spPr>
+          <p:style>
+            <a:lnRef idx="1">
+              <a:schemeClr val="accent1"/>
+            </a:lnRef>
+            <a:fillRef idx="0">
+              <a:schemeClr val="accent1"/>
+            </a:fillRef>
+            <a:effectRef idx="0">
+              <a:schemeClr val="accent1"/>
+            </a:effectRef>
+            <a:fontRef idx="minor">
+              <a:schemeClr val="tx1"/>
+            </a:fontRef>
+          </p:style>
+        </p:cxnSp>
+        <p:cxnSp>
+          <p:nvCxnSpPr>
+            <p:cNvPr id="19" name="コネクタ: カギ線 18">
+              <a:extLst>
+                <a:ext uri="{FF2B5EF4-FFF2-40B4-BE49-F238E27FC236}">
+                  <a16:creationId xmlns:a16="http://schemas.microsoft.com/office/drawing/2014/main" id="{3320B66A-05B2-F5BB-4F8A-17641498FA7B}"/>
+                </a:ext>
+              </a:extLst>
+            </p:cNvPr>
+            <p:cNvCxnSpPr>
+              <a:cxnSpLocks/>
+              <a:endCxn id="4" idx="2"/>
+            </p:cNvCxnSpPr>
+            <p:nvPr/>
+          </p:nvCxnSpPr>
+          <p:spPr>
+            <a:xfrm flipV="1">
+              <a:off x="7200106" y="5103630"/>
+              <a:ext cx="10632" cy="1871328"/>
+            </a:xfrm>
+            <a:prstGeom prst="straightConnector1">
+              <a:avLst/>
+            </a:prstGeom>
+            <a:ln w="38100">
+              <a:solidFill>
+                <a:schemeClr val="tx1"/>
+              </a:solidFill>
+              <a:headEnd type="oval"/>
+              <a:tailEnd type="oval"/>
+            </a:ln>
+          </p:spPr>
+          <p:style>
+            <a:lnRef idx="1">
+              <a:schemeClr val="accent1"/>
+            </a:lnRef>
+            <a:fillRef idx="0">
+              <a:schemeClr val="accent1"/>
+            </a:fillRef>
+            <a:effectRef idx="0">
+              <a:schemeClr val="accent1"/>
+            </a:effectRef>
+            <a:fontRef idx="minor">
+              <a:schemeClr val="tx1"/>
+            </a:fontRef>
+          </p:style>
+        </p:cxnSp>
+        <p:sp>
+          <p:nvSpPr>
+            <p:cNvPr id="26" name="テキスト ボックス 25">
+              <a:extLst>
+                <a:ext uri="{FF2B5EF4-FFF2-40B4-BE49-F238E27FC236}">
+                  <a16:creationId xmlns:a16="http://schemas.microsoft.com/office/drawing/2014/main" id="{278B4CC3-7EF6-D64A-4E57-2B00A4CAB669}"/>
+                </a:ext>
+              </a:extLst>
+            </p:cNvPr>
+            <p:cNvSpPr txBox="1"/>
+            <p:nvPr/>
+          </p:nvSpPr>
+          <p:spPr>
+            <a:xfrm>
+              <a:off x="2900463" y="3375855"/>
+              <a:ext cx="2481474" cy="584775"/>
+            </a:xfrm>
+            <a:prstGeom prst="rect">
+              <a:avLst/>
+            </a:prstGeom>
+            <a:noFill/>
+          </p:spPr>
+          <p:txBody>
+            <a:bodyPr wrap="square" rtlCol="0">
+              <a:spAutoFit/>
+            </a:bodyPr>
+            <a:lstStyle/>
+            <a:p>
+              <a:pPr algn="r"/>
+              <a:r>
+                <a:rPr kumimoji="1" lang="en-US" altLang="ja-JP" sz="3200" b="1" dirty="0">
+                  <a:solidFill>
+                    <a:srgbClr val="FF0000"/>
+                  </a:solidFill>
+                  <a:latin typeface="Times New Roman" panose="02020603050405020304" pitchFamily="18" charset="0"/>
+                  <a:cs typeface="Times New Roman" panose="02020603050405020304" pitchFamily="18" charset="0"/>
+                </a:rPr>
+                <a:t>V</a:t>
+              </a:r>
+              <a:r>
+                <a:rPr kumimoji="1" lang="en-US" altLang="ja-JP" sz="3200" b="1" baseline="-25000" dirty="0">
+                  <a:solidFill>
+                    <a:srgbClr val="FF0000"/>
+                  </a:solidFill>
+                  <a:latin typeface="Times New Roman" panose="02020603050405020304" pitchFamily="18" charset="0"/>
+                  <a:cs typeface="Times New Roman" panose="02020603050405020304" pitchFamily="18" charset="0"/>
+                </a:rPr>
+                <a:t>IN+</a:t>
+              </a:r>
+            </a:p>
+          </p:txBody>
+        </p:sp>
+        <p:sp>
+          <p:nvSpPr>
+            <p:cNvPr id="27" name="テキスト ボックス 26">
+              <a:extLst>
+                <a:ext uri="{FF2B5EF4-FFF2-40B4-BE49-F238E27FC236}">
+                  <a16:creationId xmlns:a16="http://schemas.microsoft.com/office/drawing/2014/main" id="{32D7837C-FEB5-AF77-2D55-9EFB802217DF}"/>
+                </a:ext>
+              </a:extLst>
+            </p:cNvPr>
+            <p:cNvSpPr txBox="1"/>
+            <p:nvPr/>
+          </p:nvSpPr>
+          <p:spPr>
+            <a:xfrm>
+              <a:off x="9039538" y="3375855"/>
+              <a:ext cx="2481476" cy="584775"/>
+            </a:xfrm>
+            <a:prstGeom prst="rect">
+              <a:avLst/>
+            </a:prstGeom>
+            <a:noFill/>
+          </p:spPr>
+          <p:txBody>
+            <a:bodyPr wrap="square" rtlCol="0">
+              <a:spAutoFit/>
+            </a:bodyPr>
+            <a:lstStyle/>
+            <a:p>
+              <a:r>
+                <a:rPr kumimoji="1" lang="en-US" altLang="ja-JP" sz="3200" b="1" dirty="0">
+                  <a:solidFill>
+                    <a:srgbClr val="F15988"/>
+                  </a:solidFill>
+                  <a:latin typeface="Times New Roman" panose="02020603050405020304" pitchFamily="18" charset="0"/>
+                  <a:cs typeface="Times New Roman" panose="02020603050405020304" pitchFamily="18" charset="0"/>
+                </a:rPr>
+                <a:t>V</a:t>
+              </a:r>
+              <a:r>
+                <a:rPr kumimoji="1" lang="en-US" altLang="ja-JP" sz="3200" b="1" baseline="-25000" dirty="0">
+                  <a:solidFill>
+                    <a:srgbClr val="F15988"/>
+                  </a:solidFill>
+                  <a:latin typeface="Times New Roman" panose="02020603050405020304" pitchFamily="18" charset="0"/>
+                  <a:cs typeface="Times New Roman" panose="02020603050405020304" pitchFamily="18" charset="0"/>
+                </a:rPr>
+                <a:t>IN-</a:t>
+              </a:r>
+              <a:endParaRPr kumimoji="1" lang="ja-JP" altLang="en-US" sz="3200" b="1" baseline="-25000" dirty="0">
+                <a:solidFill>
+                  <a:srgbClr val="F15988"/>
+                </a:solidFill>
+                <a:latin typeface="Times New Roman" panose="02020603050405020304" pitchFamily="18" charset="0"/>
+                <a:cs typeface="Times New Roman" panose="02020603050405020304" pitchFamily="18" charset="0"/>
+              </a:endParaRPr>
+            </a:p>
+          </p:txBody>
+        </p:sp>
+        <p:grpSp>
+          <p:nvGrpSpPr>
+            <p:cNvPr id="51" name="グループ化 50">
+              <a:extLst>
+                <a:ext uri="{FF2B5EF4-FFF2-40B4-BE49-F238E27FC236}">
+                  <a16:creationId xmlns:a16="http://schemas.microsoft.com/office/drawing/2014/main" id="{CA937E5A-D6AC-D2C4-FCD8-2F3F4EFDAB7E}"/>
+                </a:ext>
+              </a:extLst>
+            </p:cNvPr>
+            <p:cNvGrpSpPr/>
+            <p:nvPr/>
+          </p:nvGrpSpPr>
+          <p:grpSpPr>
+            <a:xfrm>
+              <a:off x="5160620" y="1889097"/>
+              <a:ext cx="4078971" cy="912569"/>
+              <a:chOff x="4815374" y="1955964"/>
+              <a:chExt cx="4078971" cy="912569"/>
+            </a:xfrm>
+          </p:grpSpPr>
+          <p:grpSp>
+            <p:nvGrpSpPr>
+              <p:cNvPr id="50" name="グループ化 49">
+                <a:extLst>
+                  <a:ext uri="{FF2B5EF4-FFF2-40B4-BE49-F238E27FC236}">
+                    <a16:creationId xmlns:a16="http://schemas.microsoft.com/office/drawing/2014/main" id="{9472F4FB-0B6D-E1E3-DEE8-18FA24F46752}"/>
+                  </a:ext>
+                </a:extLst>
+              </p:cNvPr>
+              <p:cNvGrpSpPr/>
+              <p:nvPr/>
+            </p:nvGrpSpPr>
+            <p:grpSpPr>
+              <a:xfrm>
+                <a:off x="7454345" y="1955964"/>
+                <a:ext cx="1440000" cy="912568"/>
+                <a:chOff x="7454345" y="1955964"/>
+                <a:chExt cx="1440000" cy="912568"/>
+              </a:xfrm>
+            </p:grpSpPr>
+            <p:sp>
+              <p:nvSpPr>
+                <p:cNvPr id="28" name="テキスト ボックス 27">
+                  <a:extLst>
+                    <a:ext uri="{FF2B5EF4-FFF2-40B4-BE49-F238E27FC236}">
+                      <a16:creationId xmlns:a16="http://schemas.microsoft.com/office/drawing/2014/main" id="{F5A54264-1F27-0C4C-DD95-9C575D094CA4}"/>
+                    </a:ext>
+                  </a:extLst>
+                </p:cNvPr>
+                <p:cNvSpPr txBox="1"/>
+                <p:nvPr/>
+              </p:nvSpPr>
+              <p:spPr>
+                <a:xfrm>
+                  <a:off x="7454345" y="1955964"/>
+                  <a:ext cx="1440000" cy="584775"/>
+                </a:xfrm>
+                <a:prstGeom prst="rect">
+                  <a:avLst/>
+                </a:prstGeom>
+                <a:noFill/>
+              </p:spPr>
+              <p:txBody>
+                <a:bodyPr wrap="square" rtlCol="0">
+                  <a:spAutoFit/>
+                </a:bodyPr>
+                <a:lstStyle/>
+                <a:p>
+                  <a:pPr algn="ctr"/>
+                  <a:r>
+                    <a:rPr kumimoji="1" lang="en-US" altLang="ja-JP" sz="3200" b="1" dirty="0">
+                      <a:latin typeface="Times New Roman" panose="02020603050405020304" pitchFamily="18" charset="0"/>
+                      <a:cs typeface="Times New Roman" panose="02020603050405020304" pitchFamily="18" charset="0"/>
+                    </a:rPr>
+                    <a:t>GND</a:t>
+                  </a:r>
+                  <a:endParaRPr kumimoji="1" lang="ja-JP" altLang="en-US" sz="3200" b="1" dirty="0">
+                    <a:latin typeface="Times New Roman" panose="02020603050405020304" pitchFamily="18" charset="0"/>
+                    <a:cs typeface="Times New Roman" panose="02020603050405020304" pitchFamily="18" charset="0"/>
+                  </a:endParaRPr>
+                </a:p>
+              </p:txBody>
+            </p:sp>
+            <p:cxnSp>
+              <p:nvCxnSpPr>
+                <p:cNvPr id="36" name="直線コネクタ 35">
+                  <a:extLst>
+                    <a:ext uri="{FF2B5EF4-FFF2-40B4-BE49-F238E27FC236}">
+                      <a16:creationId xmlns:a16="http://schemas.microsoft.com/office/drawing/2014/main" id="{3396376E-B885-C7B4-FAC6-1E448C2C5D5D}"/>
+                    </a:ext>
+                  </a:extLst>
+                </p:cNvPr>
+                <p:cNvCxnSpPr>
+                  <a:cxnSpLocks/>
+                </p:cNvCxnSpPr>
+                <p:nvPr/>
+              </p:nvCxnSpPr>
+              <p:spPr>
+                <a:xfrm rot="5400000">
+                  <a:off x="7994345" y="2688532"/>
+                  <a:ext cx="360000" cy="0"/>
+                </a:xfrm>
+                <a:prstGeom prst="line">
+                  <a:avLst/>
+                </a:prstGeom>
+                <a:ln w="38100">
+                  <a:solidFill>
+                    <a:schemeClr val="tx1"/>
+                  </a:solidFill>
+                  <a:headEnd type="none"/>
+                  <a:tailEnd type="oval"/>
+                </a:ln>
+              </p:spPr>
+              <p:style>
+                <a:lnRef idx="1">
+                  <a:schemeClr val="accent1"/>
+                </a:lnRef>
+                <a:fillRef idx="0">
+                  <a:schemeClr val="accent1"/>
+                </a:fillRef>
+                <a:effectRef idx="0">
+                  <a:schemeClr val="accent1"/>
+                </a:effectRef>
+                <a:fontRef idx="minor">
+                  <a:schemeClr val="tx1"/>
+                </a:fontRef>
+              </p:style>
+            </p:cxnSp>
+          </p:grpSp>
+          <p:grpSp>
+            <p:nvGrpSpPr>
+              <p:cNvPr id="47" name="グループ化 46">
+                <a:extLst>
+                  <a:ext uri="{FF2B5EF4-FFF2-40B4-BE49-F238E27FC236}">
+                    <a16:creationId xmlns:a16="http://schemas.microsoft.com/office/drawing/2014/main" id="{2A6E7582-9109-584D-4356-226E9EE8510C}"/>
+                  </a:ext>
+                </a:extLst>
+              </p:cNvPr>
+              <p:cNvGrpSpPr/>
+              <p:nvPr/>
+            </p:nvGrpSpPr>
+            <p:grpSpPr>
+              <a:xfrm>
+                <a:off x="4815374" y="1955964"/>
+                <a:ext cx="1440000" cy="912568"/>
+                <a:chOff x="4815374" y="1955964"/>
+                <a:chExt cx="1440000" cy="912568"/>
+              </a:xfrm>
+            </p:grpSpPr>
+            <p:sp>
+              <p:nvSpPr>
+                <p:cNvPr id="30" name="テキスト ボックス 29">
+                  <a:extLst>
+                    <a:ext uri="{FF2B5EF4-FFF2-40B4-BE49-F238E27FC236}">
+                      <a16:creationId xmlns:a16="http://schemas.microsoft.com/office/drawing/2014/main" id="{CD6C3DAC-70E7-9C6F-CE2D-5EB0A4DAFF87}"/>
+                    </a:ext>
+                  </a:extLst>
+                </p:cNvPr>
+                <p:cNvSpPr txBox="1"/>
+                <p:nvPr/>
+              </p:nvSpPr>
+              <p:spPr>
+                <a:xfrm>
+                  <a:off x="4815374" y="1955964"/>
+                  <a:ext cx="1440000" cy="584775"/>
+                </a:xfrm>
+                <a:prstGeom prst="rect">
+                  <a:avLst/>
+                </a:prstGeom>
+                <a:noFill/>
+              </p:spPr>
+              <p:txBody>
+                <a:bodyPr wrap="square" rtlCol="0">
+                  <a:spAutoFit/>
+                </a:bodyPr>
+                <a:lstStyle/>
+                <a:p>
+                  <a:pPr algn="ctr"/>
+                  <a:r>
+                    <a:rPr kumimoji="1" lang="en-US" altLang="ja-JP" sz="3200" b="1" dirty="0">
+                      <a:solidFill>
+                        <a:srgbClr val="2E3192"/>
+                      </a:solidFill>
+                      <a:latin typeface="Times New Roman" panose="02020603050405020304" pitchFamily="18" charset="0"/>
+                      <a:cs typeface="Times New Roman" panose="02020603050405020304" pitchFamily="18" charset="0"/>
+                    </a:rPr>
+                    <a:t>SDA </a:t>
+                  </a:r>
+                  <a:endParaRPr kumimoji="1" lang="ja-JP" altLang="en-US" sz="3200" b="1" dirty="0">
+                    <a:solidFill>
+                      <a:srgbClr val="2E3192"/>
+                    </a:solidFill>
+                    <a:latin typeface="Times New Roman" panose="02020603050405020304" pitchFamily="18" charset="0"/>
+                    <a:cs typeface="Times New Roman" panose="02020603050405020304" pitchFamily="18" charset="0"/>
+                  </a:endParaRPr>
+                </a:p>
+              </p:txBody>
+            </p:sp>
+            <p:cxnSp>
+              <p:nvCxnSpPr>
+                <p:cNvPr id="37" name="直線コネクタ 36">
+                  <a:extLst>
+                    <a:ext uri="{FF2B5EF4-FFF2-40B4-BE49-F238E27FC236}">
+                      <a16:creationId xmlns:a16="http://schemas.microsoft.com/office/drawing/2014/main" id="{5D22197D-BA3A-4F19-9FED-FF90933B3C17}"/>
+                    </a:ext>
+                  </a:extLst>
+                </p:cNvPr>
+                <p:cNvCxnSpPr>
+                  <a:cxnSpLocks/>
+                </p:cNvCxnSpPr>
+                <p:nvPr/>
+              </p:nvCxnSpPr>
+              <p:spPr>
+                <a:xfrm rot="16200000" flipH="1">
+                  <a:off x="5355374" y="2688532"/>
+                  <a:ext cx="360000" cy="0"/>
+                </a:xfrm>
+                <a:prstGeom prst="line">
+                  <a:avLst/>
+                </a:prstGeom>
+                <a:ln w="38100">
+                  <a:solidFill>
+                    <a:srgbClr val="2E3192"/>
+                  </a:solidFill>
+                  <a:headEnd type="none"/>
+                  <a:tailEnd type="oval"/>
+                </a:ln>
+              </p:spPr>
+              <p:style>
+                <a:lnRef idx="1">
+                  <a:schemeClr val="accent1"/>
+                </a:lnRef>
+                <a:fillRef idx="0">
+                  <a:schemeClr val="accent1"/>
+                </a:fillRef>
+                <a:effectRef idx="0">
+                  <a:schemeClr val="accent1"/>
+                </a:effectRef>
+                <a:fontRef idx="minor">
+                  <a:schemeClr val="tx1"/>
+                </a:fontRef>
+              </p:style>
+            </p:cxnSp>
+          </p:grpSp>
+          <p:grpSp>
+            <p:nvGrpSpPr>
+              <p:cNvPr id="48" name="グループ化 47">
+                <a:extLst>
+                  <a:ext uri="{FF2B5EF4-FFF2-40B4-BE49-F238E27FC236}">
+                    <a16:creationId xmlns:a16="http://schemas.microsoft.com/office/drawing/2014/main" id="{44646F4B-ED25-FB3D-4ACB-D58EFEAFA48C}"/>
+                  </a:ext>
+                </a:extLst>
+              </p:cNvPr>
+              <p:cNvGrpSpPr/>
+              <p:nvPr/>
+            </p:nvGrpSpPr>
+            <p:grpSpPr>
+              <a:xfrm>
+                <a:off x="5695031" y="1955964"/>
+                <a:ext cx="1440000" cy="912569"/>
+                <a:chOff x="5835117" y="1955964"/>
+                <a:chExt cx="1440000" cy="912569"/>
+              </a:xfrm>
+            </p:grpSpPr>
+            <p:sp>
+              <p:nvSpPr>
+                <p:cNvPr id="29" name="テキスト ボックス 28">
+                  <a:extLst>
+                    <a:ext uri="{FF2B5EF4-FFF2-40B4-BE49-F238E27FC236}">
+                      <a16:creationId xmlns:a16="http://schemas.microsoft.com/office/drawing/2014/main" id="{94DE231F-52E1-043A-198B-2B1B43351E9C}"/>
+                    </a:ext>
+                  </a:extLst>
+                </p:cNvPr>
+                <p:cNvSpPr txBox="1"/>
+                <p:nvPr/>
+              </p:nvSpPr>
+              <p:spPr>
+                <a:xfrm>
+                  <a:off x="5835117" y="1955964"/>
+                  <a:ext cx="1440000" cy="584775"/>
+                </a:xfrm>
+                <a:prstGeom prst="rect">
+                  <a:avLst/>
+                </a:prstGeom>
+                <a:noFill/>
+              </p:spPr>
+              <p:txBody>
+                <a:bodyPr wrap="square" rtlCol="0">
+                  <a:spAutoFit/>
+                </a:bodyPr>
+                <a:lstStyle/>
+                <a:p>
+                  <a:pPr algn="ctr"/>
+                  <a:r>
+                    <a:rPr kumimoji="1" lang="en-US" altLang="ja-JP" sz="3200" b="1" dirty="0">
+                      <a:solidFill>
+                        <a:srgbClr val="01A54F"/>
+                      </a:solidFill>
+                      <a:latin typeface="Times New Roman" panose="02020603050405020304" pitchFamily="18" charset="0"/>
+                      <a:cs typeface="Times New Roman" panose="02020603050405020304" pitchFamily="18" charset="0"/>
+                    </a:rPr>
+                    <a:t>SCL</a:t>
+                  </a:r>
+                  <a:endParaRPr kumimoji="1" lang="ja-JP" altLang="en-US" sz="3200" b="1" dirty="0">
+                    <a:solidFill>
+                      <a:srgbClr val="01A54F"/>
+                    </a:solidFill>
+                    <a:latin typeface="Times New Roman" panose="02020603050405020304" pitchFamily="18" charset="0"/>
+                    <a:cs typeface="Times New Roman" panose="02020603050405020304" pitchFamily="18" charset="0"/>
+                  </a:endParaRPr>
+                </a:p>
+              </p:txBody>
+            </p:sp>
+            <p:cxnSp>
+              <p:nvCxnSpPr>
+                <p:cNvPr id="38" name="直線コネクタ 37">
+                  <a:extLst>
+                    <a:ext uri="{FF2B5EF4-FFF2-40B4-BE49-F238E27FC236}">
+                      <a16:creationId xmlns:a16="http://schemas.microsoft.com/office/drawing/2014/main" id="{237E73A3-EA28-E4B3-B618-8877D73A2E20}"/>
+                    </a:ext>
+                  </a:extLst>
+                </p:cNvPr>
+                <p:cNvCxnSpPr>
+                  <a:cxnSpLocks/>
+                </p:cNvCxnSpPr>
+                <p:nvPr/>
+              </p:nvCxnSpPr>
+              <p:spPr>
+                <a:xfrm rot="16200000" flipH="1">
+                  <a:off x="6375117" y="2688533"/>
+                  <a:ext cx="360000" cy="0"/>
+                </a:xfrm>
+                <a:prstGeom prst="line">
+                  <a:avLst/>
+                </a:prstGeom>
+                <a:ln w="38100">
+                  <a:solidFill>
+                    <a:srgbClr val="01A54F"/>
+                  </a:solidFill>
+                  <a:headEnd type="none"/>
+                  <a:tailEnd type="oval"/>
+                </a:ln>
+              </p:spPr>
+              <p:style>
+                <a:lnRef idx="1">
+                  <a:schemeClr val="accent1"/>
+                </a:lnRef>
+                <a:fillRef idx="0">
+                  <a:schemeClr val="accent1"/>
+                </a:fillRef>
+                <a:effectRef idx="0">
+                  <a:schemeClr val="accent1"/>
+                </a:effectRef>
+                <a:fontRef idx="minor">
+                  <a:schemeClr val="tx1"/>
+                </a:fontRef>
+              </p:style>
+            </p:cxnSp>
+          </p:grpSp>
+          <p:grpSp>
+            <p:nvGrpSpPr>
+              <p:cNvPr id="49" name="グループ化 48">
+                <a:extLst>
+                  <a:ext uri="{FF2B5EF4-FFF2-40B4-BE49-F238E27FC236}">
+                    <a16:creationId xmlns:a16="http://schemas.microsoft.com/office/drawing/2014/main" id="{FE294315-4254-A360-A10D-2E99212A4A71}"/>
+                  </a:ext>
+                </a:extLst>
+              </p:cNvPr>
+              <p:cNvGrpSpPr/>
+              <p:nvPr/>
+            </p:nvGrpSpPr>
+            <p:grpSpPr>
+              <a:xfrm>
+                <a:off x="6574688" y="1955964"/>
+                <a:ext cx="1440000" cy="912568"/>
+                <a:chOff x="6924048" y="1955964"/>
+                <a:chExt cx="1440000" cy="912568"/>
+              </a:xfrm>
+            </p:grpSpPr>
+            <p:sp>
+              <p:nvSpPr>
+                <p:cNvPr id="31" name="テキスト ボックス 30">
+                  <a:extLst>
+                    <a:ext uri="{FF2B5EF4-FFF2-40B4-BE49-F238E27FC236}">
+                      <a16:creationId xmlns:a16="http://schemas.microsoft.com/office/drawing/2014/main" id="{3D803BC2-8262-774E-4B8E-C7E60B52F6E2}"/>
+                    </a:ext>
+                  </a:extLst>
+                </p:cNvPr>
+                <p:cNvSpPr txBox="1"/>
+                <p:nvPr/>
+              </p:nvSpPr>
+              <p:spPr>
+                <a:xfrm>
+                  <a:off x="6924048" y="1955964"/>
+                  <a:ext cx="1440000" cy="584775"/>
+                </a:xfrm>
+                <a:prstGeom prst="rect">
+                  <a:avLst/>
+                </a:prstGeom>
+                <a:noFill/>
+              </p:spPr>
+              <p:txBody>
+                <a:bodyPr wrap="square" rtlCol="0">
+                  <a:spAutoFit/>
+                </a:bodyPr>
+                <a:lstStyle/>
+                <a:p>
+                  <a:pPr algn="ctr"/>
+                  <a:r>
+                    <a:rPr kumimoji="1" lang="en-US" altLang="ja-JP" sz="3200" b="1" dirty="0">
+                      <a:solidFill>
+                        <a:srgbClr val="F8931D"/>
+                      </a:solidFill>
+                      <a:latin typeface="Times New Roman" panose="02020603050405020304" pitchFamily="18" charset="0"/>
+                      <a:cs typeface="Times New Roman" panose="02020603050405020304" pitchFamily="18" charset="0"/>
+                    </a:rPr>
+                    <a:t>VS</a:t>
+                  </a:r>
+                  <a:endParaRPr kumimoji="1" lang="ja-JP" altLang="en-US" sz="3200" b="1" dirty="0">
+                    <a:solidFill>
+                      <a:srgbClr val="F8931D"/>
+                    </a:solidFill>
+                    <a:latin typeface="Times New Roman" panose="02020603050405020304" pitchFamily="18" charset="0"/>
+                    <a:cs typeface="Times New Roman" panose="02020603050405020304" pitchFamily="18" charset="0"/>
+                  </a:endParaRPr>
+                </a:p>
+              </p:txBody>
+            </p:sp>
+            <p:cxnSp>
+              <p:nvCxnSpPr>
+                <p:cNvPr id="39" name="直線コネクタ 38">
+                  <a:extLst>
+                    <a:ext uri="{FF2B5EF4-FFF2-40B4-BE49-F238E27FC236}">
+                      <a16:creationId xmlns:a16="http://schemas.microsoft.com/office/drawing/2014/main" id="{C6882144-483F-A2C5-D3B2-74BD00FA964F}"/>
+                    </a:ext>
+                  </a:extLst>
+                </p:cNvPr>
+                <p:cNvCxnSpPr>
+                  <a:cxnSpLocks/>
+                </p:cNvCxnSpPr>
+                <p:nvPr/>
+              </p:nvCxnSpPr>
+              <p:spPr>
+                <a:xfrm rot="10800000" flipV="1">
+                  <a:off x="7644048" y="2508532"/>
+                  <a:ext cx="0" cy="360000"/>
+                </a:xfrm>
+                <a:prstGeom prst="line">
+                  <a:avLst/>
+                </a:prstGeom>
+                <a:ln w="38100">
+                  <a:solidFill>
+                    <a:srgbClr val="F8931D"/>
+                  </a:solidFill>
+                  <a:headEnd type="none"/>
+                  <a:tailEnd type="oval"/>
+                </a:ln>
+              </p:spPr>
+              <p:style>
+                <a:lnRef idx="1">
+                  <a:schemeClr val="accent1"/>
+                </a:lnRef>
+                <a:fillRef idx="0">
+                  <a:schemeClr val="accent1"/>
+                </a:fillRef>
+                <a:effectRef idx="0">
+                  <a:schemeClr val="accent1"/>
+                </a:effectRef>
+                <a:fontRef idx="minor">
+                  <a:schemeClr val="tx1"/>
+                </a:fontRef>
+              </p:style>
+            </p:cxnSp>
+          </p:grpSp>
+        </p:grpSp>
+        <p:sp>
+          <p:nvSpPr>
+            <p:cNvPr id="40" name="テキスト ボックス 39">
+              <a:extLst>
+                <a:ext uri="{FF2B5EF4-FFF2-40B4-BE49-F238E27FC236}">
+                  <a16:creationId xmlns:a16="http://schemas.microsoft.com/office/drawing/2014/main" id="{1EB1451B-EB3B-9A94-77EF-FE4B7E405D62}"/>
+                </a:ext>
+              </a:extLst>
+            </p:cNvPr>
+            <p:cNvSpPr txBox="1"/>
+            <p:nvPr/>
+          </p:nvSpPr>
+          <p:spPr>
+            <a:xfrm>
+              <a:off x="7231917" y="5119594"/>
+              <a:ext cx="1440000" cy="584775"/>
+            </a:xfrm>
+            <a:prstGeom prst="rect">
+              <a:avLst/>
+            </a:prstGeom>
+            <a:noFill/>
+          </p:spPr>
+          <p:txBody>
+            <a:bodyPr wrap="square" rtlCol="0">
+              <a:spAutoFit/>
+            </a:bodyPr>
+            <a:lstStyle/>
+            <a:p>
+              <a:r>
+                <a:rPr kumimoji="1" lang="en-US" altLang="ja-JP" sz="3200" b="1" dirty="0">
+                  <a:latin typeface="Times New Roman" panose="02020603050405020304" pitchFamily="18" charset="0"/>
+                  <a:cs typeface="Times New Roman" panose="02020603050405020304" pitchFamily="18" charset="0"/>
+                </a:rPr>
+                <a:t>GND</a:t>
+              </a:r>
+              <a:endParaRPr kumimoji="1" lang="ja-JP" altLang="en-US" sz="3200" b="1" dirty="0">
+                <a:latin typeface="Times New Roman" panose="02020603050405020304" pitchFamily="18" charset="0"/>
+                <a:cs typeface="Times New Roman" panose="02020603050405020304" pitchFamily="18" charset="0"/>
+              </a:endParaRPr>
+            </a:p>
+          </p:txBody>
+        </p:sp>
+      </p:grpSp>
     </p:spTree>
     <p:extLst>
       <p:ext uri="{BB962C8B-B14F-4D97-AF65-F5344CB8AC3E}">
-        <p14:creationId xmlns:p14="http://schemas.microsoft.com/office/powerpoint/2010/main" val="3190250625"/>
+        <p14:creationId xmlns:p14="http://schemas.microsoft.com/office/powerpoint/2010/main" val="614898779"/>
       </p:ext>
     </p:extLst>
   </p:cSld>

--- a/images/pinout.pptx
+++ b/images/pinout.pptx
@@ -5,12 +5,11 @@
     <p:sldMasterId id="2147483672" r:id="rId1"/>
   </p:sldMasterIdLst>
   <p:notesMasterIdLst>
-    <p:notesMasterId r:id="rId5"/>
+    <p:notesMasterId r:id="rId4"/>
   </p:notesMasterIdLst>
   <p:sldIdLst>
     <p:sldId id="257" r:id="rId2"/>
-    <p:sldId id="258" r:id="rId3"/>
-    <p:sldId id="259" r:id="rId4"/>
+    <p:sldId id="259" r:id="rId3"/>
   </p:sldIdLst>
   <p:sldSz cx="14400213" cy="10799763"/>
   <p:notesSz cx="6858000" cy="9144000"/>
@@ -1542,7 +1541,7 @@
           <a:p>
             <a:fld id="{76E19F18-D823-463A-8381-1811E19E96D2}" type="datetimeFigureOut">
               <a:rPr kumimoji="1" lang="ja-JP" altLang="en-US" smtClean="0"/>
-              <a:t>2023/4/29</a:t>
+              <a:t>2023/6/13</a:t>
             </a:fld>
             <a:endParaRPr kumimoji="1" lang="ja-JP" altLang="en-US"/>
           </a:p>
@@ -1972,7 +1971,7 @@
           <a:p>
             <a:fld id="{1FA9187C-4DE0-4CE3-96AB-364AA8EDF057}" type="datetimeFigureOut">
               <a:rPr kumimoji="1" lang="ja-JP" altLang="en-US" smtClean="0"/>
-              <a:t>2023/4/29</a:t>
+              <a:t>2023/6/13</a:t>
             </a:fld>
             <a:endParaRPr kumimoji="1" lang="ja-JP" altLang="en-US"/>
           </a:p>
@@ -2174,7 +2173,7 @@
           <a:p>
             <a:fld id="{1FA9187C-4DE0-4CE3-96AB-364AA8EDF057}" type="datetimeFigureOut">
               <a:rPr kumimoji="1" lang="ja-JP" altLang="en-US" smtClean="0"/>
-              <a:t>2023/4/29</a:t>
+              <a:t>2023/6/13</a:t>
             </a:fld>
             <a:endParaRPr kumimoji="1" lang="ja-JP" altLang="en-US"/>
           </a:p>
@@ -2386,7 +2385,7 @@
           <a:p>
             <a:fld id="{1FA9187C-4DE0-4CE3-96AB-364AA8EDF057}" type="datetimeFigureOut">
               <a:rPr kumimoji="1" lang="ja-JP" altLang="en-US" smtClean="0"/>
-              <a:t>2023/4/29</a:t>
+              <a:t>2023/6/13</a:t>
             </a:fld>
             <a:endParaRPr kumimoji="1" lang="ja-JP" altLang="en-US"/>
           </a:p>
@@ -2588,7 +2587,7 @@
           <a:p>
             <a:fld id="{1FA9187C-4DE0-4CE3-96AB-364AA8EDF057}" type="datetimeFigureOut">
               <a:rPr kumimoji="1" lang="ja-JP" altLang="en-US" smtClean="0"/>
-              <a:t>2023/4/29</a:t>
+              <a:t>2023/6/13</a:t>
             </a:fld>
             <a:endParaRPr kumimoji="1" lang="ja-JP" altLang="en-US"/>
           </a:p>
@@ -2832,7 +2831,7 @@
           <a:p>
             <a:fld id="{1FA9187C-4DE0-4CE3-96AB-364AA8EDF057}" type="datetimeFigureOut">
               <a:rPr kumimoji="1" lang="ja-JP" altLang="en-US" smtClean="0"/>
-              <a:t>2023/4/29</a:t>
+              <a:t>2023/6/13</a:t>
             </a:fld>
             <a:endParaRPr kumimoji="1" lang="ja-JP" altLang="en-US"/>
           </a:p>
@@ -3128,7 +3127,7 @@
           <a:p>
             <a:fld id="{1FA9187C-4DE0-4CE3-96AB-364AA8EDF057}" type="datetimeFigureOut">
               <a:rPr kumimoji="1" lang="ja-JP" altLang="en-US" smtClean="0"/>
-              <a:t>2023/4/29</a:t>
+              <a:t>2023/6/13</a:t>
             </a:fld>
             <a:endParaRPr kumimoji="1" lang="ja-JP" altLang="en-US"/>
           </a:p>
@@ -3559,7 +3558,7 @@
           <a:p>
             <a:fld id="{1FA9187C-4DE0-4CE3-96AB-364AA8EDF057}" type="datetimeFigureOut">
               <a:rPr kumimoji="1" lang="ja-JP" altLang="en-US" smtClean="0"/>
-              <a:t>2023/4/29</a:t>
+              <a:t>2023/6/13</a:t>
             </a:fld>
             <a:endParaRPr kumimoji="1" lang="ja-JP" altLang="en-US"/>
           </a:p>
@@ -3677,7 +3676,7 @@
           <a:p>
             <a:fld id="{1FA9187C-4DE0-4CE3-96AB-364AA8EDF057}" type="datetimeFigureOut">
               <a:rPr kumimoji="1" lang="ja-JP" altLang="en-US" smtClean="0"/>
-              <a:t>2023/4/29</a:t>
+              <a:t>2023/6/13</a:t>
             </a:fld>
             <a:endParaRPr kumimoji="1" lang="ja-JP" altLang="en-US"/>
           </a:p>
@@ -3772,7 +3771,7 @@
           <a:p>
             <a:fld id="{1FA9187C-4DE0-4CE3-96AB-364AA8EDF057}" type="datetimeFigureOut">
               <a:rPr kumimoji="1" lang="ja-JP" altLang="en-US" smtClean="0"/>
-              <a:t>2023/4/29</a:t>
+              <a:t>2023/6/13</a:t>
             </a:fld>
             <a:endParaRPr kumimoji="1" lang="ja-JP" altLang="en-US"/>
           </a:p>
@@ -4081,7 +4080,7 @@
           <a:p>
             <a:fld id="{1FA9187C-4DE0-4CE3-96AB-364AA8EDF057}" type="datetimeFigureOut">
               <a:rPr kumimoji="1" lang="ja-JP" altLang="en-US" smtClean="0"/>
-              <a:t>2023/4/29</a:t>
+              <a:t>2023/6/13</a:t>
             </a:fld>
             <a:endParaRPr kumimoji="1" lang="ja-JP" altLang="en-US"/>
           </a:p>
@@ -4338,7 +4337,7 @@
           <a:p>
             <a:fld id="{1FA9187C-4DE0-4CE3-96AB-364AA8EDF057}" type="datetimeFigureOut">
               <a:rPr kumimoji="1" lang="ja-JP" altLang="en-US" smtClean="0"/>
-              <a:t>2023/4/29</a:t>
+              <a:t>2023/6/13</a:t>
             </a:fld>
             <a:endParaRPr kumimoji="1" lang="ja-JP" altLang="en-US"/>
           </a:p>
@@ -4583,7 +4582,7 @@
           <a:p>
             <a:fld id="{1FA9187C-4DE0-4CE3-96AB-364AA8EDF057}" type="datetimeFigureOut">
               <a:rPr kumimoji="1" lang="ja-JP" altLang="en-US" smtClean="0"/>
-              <a:t>2023/4/29</a:t>
+              <a:t>2023/6/13</a:t>
             </a:fld>
             <a:endParaRPr kumimoji="1" lang="ja-JP" altLang="en-US"/>
           </a:p>
@@ -4990,50 +4989,32 @@
       </p:grpSpPr>
       <p:pic>
         <p:nvPicPr>
-          <p:cNvPr id="1028" name="Picture 4">
+          <p:cNvPr id="5" name="図 4" descr="電子機器, 回路 が含まれている画像&#10;&#10;自動的に生成された説明">
             <a:extLst>
               <a:ext uri="{FF2B5EF4-FFF2-40B4-BE49-F238E27FC236}">
-                <a16:creationId xmlns:a16="http://schemas.microsoft.com/office/drawing/2014/main" id="{0F5E2D94-BB6D-8AAA-044B-6A78DD11D74C}"/>
+                <a16:creationId xmlns:a16="http://schemas.microsoft.com/office/drawing/2014/main" id="{D3E61C9F-3877-5BC3-BBB4-97947887D713}"/>
               </a:ext>
             </a:extLst>
           </p:cNvPr>
           <p:cNvPicPr>
-            <a:picLocks noChangeAspect="1" noChangeArrowheads="1"/>
+            <a:picLocks noChangeAspect="1"/>
           </p:cNvPicPr>
           <p:nvPr/>
         </p:nvPicPr>
-        <p:blipFill rotWithShape="1">
-          <a:blip r:embed="rId2">
-            <a:extLst>
-              <a:ext uri="{28A0092B-C50C-407E-A947-70E740481C1C}">
-                <a14:useLocalDpi xmlns:a14="http://schemas.microsoft.com/office/drawing/2010/main" val="0"/>
-              </a:ext>
-            </a:extLst>
-          </a:blip>
-          <a:srcRect l="19864" t="22690" r="19864" b="20801"/>
-          <a:stretch/>
+        <p:blipFill>
+          <a:blip r:embed="rId2"/>
+          <a:stretch>
+            <a:fillRect/>
+          </a:stretch>
         </p:blipFill>
-        <p:spPr bwMode="auto">
+        <p:spPr>
           <a:xfrm>
-            <a:off x="2860428" y="2685079"/>
-            <a:ext cx="8679355" cy="5424594"/>
+            <a:off x="14748" y="511322"/>
+            <a:ext cx="14400213" cy="9600142"/>
           </a:xfrm>
           <a:prstGeom prst="rect">
             <a:avLst/>
           </a:prstGeom>
-          <a:noFill/>
-          <a:ln>
-            <a:noFill/>
-          </a:ln>
-          <a:extLst>
-            <a:ext uri="{909E8E84-426E-40DD-AFC4-6F175D3DCCD1}">
-              <a14:hiddenFill xmlns:a14="http://schemas.microsoft.com/office/drawing/2010/main">
-                <a:solidFill>
-                  <a:srgbClr val="FFFFFF"/>
-                </a:solidFill>
-              </a14:hiddenFill>
-            </a:ext>
-          </a:extLst>
         </p:spPr>
       </p:pic>
       <p:grpSp>
@@ -6674,84 +6655,6 @@
           <a:chExt cx="0" cy="0"/>
         </a:xfrm>
       </p:grpSpPr>
-      <p:pic>
-        <p:nvPicPr>
-          <p:cNvPr id="4" name="Picture 6">
-            <a:extLst>
-              <a:ext uri="{FF2B5EF4-FFF2-40B4-BE49-F238E27FC236}">
-                <a16:creationId xmlns:a16="http://schemas.microsoft.com/office/drawing/2014/main" id="{7CC03EA0-FFA0-EDB4-612E-E19693E51648}"/>
-              </a:ext>
-            </a:extLst>
-          </p:cNvPr>
-          <p:cNvPicPr>
-            <a:picLocks noChangeAspect="1" noChangeArrowheads="1"/>
-          </p:cNvPicPr>
-          <p:nvPr/>
-        </p:nvPicPr>
-        <p:blipFill rotWithShape="1">
-          <a:blip r:embed="rId2">
-            <a:extLst>
-              <a:ext uri="{28A0092B-C50C-407E-A947-70E740481C1C}">
-                <a14:useLocalDpi xmlns:a14="http://schemas.microsoft.com/office/drawing/2010/main" val="0"/>
-              </a:ext>
-            </a:extLst>
-          </a:blip>
-          <a:srcRect l="19864" t="22690" r="19864" b="20801"/>
-          <a:stretch/>
-        </p:blipFill>
-        <p:spPr bwMode="auto">
-          <a:xfrm>
-            <a:off x="2860430" y="2687583"/>
-            <a:ext cx="8679352" cy="5424595"/>
-          </a:xfrm>
-          <a:prstGeom prst="rect">
-            <a:avLst/>
-          </a:prstGeom>
-          <a:noFill/>
-          <a:ln>
-            <a:noFill/>
-          </a:ln>
-          <a:extLst>
-            <a:ext uri="{909E8E84-426E-40DD-AFC4-6F175D3DCCD1}">
-              <a14:hiddenFill xmlns:a14="http://schemas.microsoft.com/office/drawing/2010/main">
-                <a:solidFill>
-                  <a:srgbClr val="FFFFFF"/>
-                </a:solidFill>
-              </a14:hiddenFill>
-            </a:ext>
-          </a:extLst>
-        </p:spPr>
-      </p:pic>
-    </p:spTree>
-    <p:extLst>
-      <p:ext uri="{BB962C8B-B14F-4D97-AF65-F5344CB8AC3E}">
-        <p14:creationId xmlns:p14="http://schemas.microsoft.com/office/powerpoint/2010/main" val="1929352114"/>
-      </p:ext>
-    </p:extLst>
-  </p:cSld>
-  <p:clrMapOvr>
-    <a:masterClrMapping/>
-  </p:clrMapOvr>
-</p:sld>
-</file>
-
-<file path=ppt/slides/slide3.xml><?xml version="1.0" encoding="utf-8"?>
-<p:sld xmlns:a="http://schemas.openxmlformats.org/drawingml/2006/main" xmlns:r="http://schemas.openxmlformats.org/officeDocument/2006/relationships" xmlns:p="http://schemas.openxmlformats.org/presentationml/2006/main">
-  <p:cSld>
-    <p:spTree>
-      <p:nvGrpSpPr>
-        <p:cNvPr id="1" name=""/>
-        <p:cNvGrpSpPr/>
-        <p:nvPr/>
-      </p:nvGrpSpPr>
-      <p:grpSpPr>
-        <a:xfrm>
-          <a:off x="0" y="0"/>
-          <a:ext cx="0" cy="0"/>
-          <a:chOff x="0" y="0"/>
-          <a:chExt cx="0" cy="0"/>
-        </a:xfrm>
-      </p:grpSpPr>
       <p:grpSp>
         <p:nvGrpSpPr>
           <p:cNvPr id="52" name="グループ化 51">
@@ -6917,7 +6820,17 @@
                   <a:latin typeface="Times New Roman" panose="02020603050405020304" pitchFamily="18" charset="0"/>
                   <a:cs typeface="Times New Roman" panose="02020603050405020304" pitchFamily="18" charset="0"/>
                 </a:rPr>
-                <a:t>0 V to 28V</a:t>
+                <a:t>0 V </a:t>
+              </a:r>
+              <a:r>
+                <a:rPr kumimoji="1" lang="en-US" altLang="ja-JP" sz="2000">
+                  <a:solidFill>
+                    <a:schemeClr val="tx1"/>
+                  </a:solidFill>
+                  <a:latin typeface="Times New Roman" panose="02020603050405020304" pitchFamily="18" charset="0"/>
+                  <a:cs typeface="Times New Roman" panose="02020603050405020304" pitchFamily="18" charset="0"/>
+                </a:rPr>
+                <a:t>to 36V</a:t>
               </a:r>
               <a:endParaRPr kumimoji="1" lang="ja-JP" altLang="en-US" sz="3200" dirty="0">
                 <a:solidFill>

--- a/images/pinout.pptx
+++ b/images/pinout.pptx
@@ -119,13 +119,45 @@
 <file path=ppt/revisionInfo.xml><?xml version="1.0" encoding="utf-8"?>
 <p1510:revInfo xmlns:a="http://schemas.openxmlformats.org/drawingml/2006/main" xmlns:r="http://schemas.openxmlformats.org/officeDocument/2006/relationships" xmlns:p1510="http://schemas.microsoft.com/office/powerpoint/2015/10/main">
   <p1510:revLst>
-    <p1510:client id="{44D760B1-647A-4A96-BE88-A80449FA6F1C}" v="72" dt="2023-04-28T17:43:08.312"/>
+    <p1510:client id="{B6DDC11F-83F4-46E6-9359-55A9E240DBF0}" v="1" dt="2023-06-14T11:52:23.231"/>
   </p1510:revLst>
 </p1510:revInfo>
 </file>
 
 <file path=ppt/changesInfos/changesInfo1.xml><?xml version="1.0" encoding="utf-8"?>
 <pc:chgInfo xmlns:a="http://schemas.openxmlformats.org/drawingml/2006/main" xmlns:r="http://schemas.openxmlformats.org/officeDocument/2006/relationships" xmlns:ac="http://schemas.microsoft.com/office/drawing/2013/main/command" xmlns:pc="http://schemas.microsoft.com/office/powerpoint/2013/main/command">
+  <pc:docChgLst>
+    <pc:chgData name="久保寺　真仁" userId="2768f32b-5882-4410-b2b1-7e7a9f4ff427" providerId="ADAL" clId="{B6DDC11F-83F4-46E6-9359-55A9E240DBF0}"/>
+    <pc:docChg chg="custSel modSld">
+      <pc:chgData name="久保寺　真仁" userId="2768f32b-5882-4410-b2b1-7e7a9f4ff427" providerId="ADAL" clId="{B6DDC11F-83F4-46E6-9359-55A9E240DBF0}" dt="2023-06-14T11:52:33.297" v="16" actId="167"/>
+      <pc:docMkLst>
+        <pc:docMk/>
+      </pc:docMkLst>
+      <pc:sldChg chg="addSp delSp modSp mod">
+        <pc:chgData name="久保寺　真仁" userId="2768f32b-5882-4410-b2b1-7e7a9f4ff427" providerId="ADAL" clId="{B6DDC11F-83F4-46E6-9359-55A9E240DBF0}" dt="2023-06-14T11:52:33.297" v="16" actId="167"/>
+        <pc:sldMkLst>
+          <pc:docMk/>
+          <pc:sldMk cId="3159971292" sldId="257"/>
+        </pc:sldMkLst>
+        <pc:picChg chg="add mod ord">
+          <ac:chgData name="久保寺　真仁" userId="2768f32b-5882-4410-b2b1-7e7a9f4ff427" providerId="ADAL" clId="{B6DDC11F-83F4-46E6-9359-55A9E240DBF0}" dt="2023-06-14T11:52:33.297" v="16" actId="167"/>
+          <ac:picMkLst>
+            <pc:docMk/>
+            <pc:sldMk cId="3159971292" sldId="257"/>
+            <ac:picMk id="3" creationId="{4D110BC1-293B-6E92-BCF7-4B20D2D1D46C}"/>
+          </ac:picMkLst>
+        </pc:picChg>
+        <pc:picChg chg="del">
+          <ac:chgData name="久保寺　真仁" userId="2768f32b-5882-4410-b2b1-7e7a9f4ff427" providerId="ADAL" clId="{B6DDC11F-83F4-46E6-9359-55A9E240DBF0}" dt="2023-06-14T11:52:22.915" v="0" actId="478"/>
+          <ac:picMkLst>
+            <pc:docMk/>
+            <pc:sldMk cId="3159971292" sldId="257"/>
+            <ac:picMk id="5" creationId="{D3E61C9F-3877-5BC3-BBB4-97947887D713}"/>
+          </ac:picMkLst>
+        </pc:picChg>
+      </pc:sldChg>
+    </pc:docChg>
+  </pc:docChgLst>
   <pc:docChgLst>
     <pc:chgData name="久保寺　真仁" userId="2768f32b-5882-4410-b2b1-7e7a9f4ff427" providerId="ADAL" clId="{44D760B1-647A-4A96-BE88-A80449FA6F1C}"/>
     <pc:docChg chg="undo redo custSel addSld delSld modSld">
@@ -1541,7 +1573,7 @@
           <a:p>
             <a:fld id="{76E19F18-D823-463A-8381-1811E19E96D2}" type="datetimeFigureOut">
               <a:rPr kumimoji="1" lang="ja-JP" altLang="en-US" smtClean="0"/>
-              <a:t>2023/6/13</a:t>
+              <a:t>2023/6/14</a:t>
             </a:fld>
             <a:endParaRPr kumimoji="1" lang="ja-JP" altLang="en-US"/>
           </a:p>
@@ -1971,7 +2003,7 @@
           <a:p>
             <a:fld id="{1FA9187C-4DE0-4CE3-96AB-364AA8EDF057}" type="datetimeFigureOut">
               <a:rPr kumimoji="1" lang="ja-JP" altLang="en-US" smtClean="0"/>
-              <a:t>2023/6/13</a:t>
+              <a:t>2023/6/14</a:t>
             </a:fld>
             <a:endParaRPr kumimoji="1" lang="ja-JP" altLang="en-US"/>
           </a:p>
@@ -2173,7 +2205,7 @@
           <a:p>
             <a:fld id="{1FA9187C-4DE0-4CE3-96AB-364AA8EDF057}" type="datetimeFigureOut">
               <a:rPr kumimoji="1" lang="ja-JP" altLang="en-US" smtClean="0"/>
-              <a:t>2023/6/13</a:t>
+              <a:t>2023/6/14</a:t>
             </a:fld>
             <a:endParaRPr kumimoji="1" lang="ja-JP" altLang="en-US"/>
           </a:p>
@@ -2385,7 +2417,7 @@
           <a:p>
             <a:fld id="{1FA9187C-4DE0-4CE3-96AB-364AA8EDF057}" type="datetimeFigureOut">
               <a:rPr kumimoji="1" lang="ja-JP" altLang="en-US" smtClean="0"/>
-              <a:t>2023/6/13</a:t>
+              <a:t>2023/6/14</a:t>
             </a:fld>
             <a:endParaRPr kumimoji="1" lang="ja-JP" altLang="en-US"/>
           </a:p>
@@ -2587,7 +2619,7 @@
           <a:p>
             <a:fld id="{1FA9187C-4DE0-4CE3-96AB-364AA8EDF057}" type="datetimeFigureOut">
               <a:rPr kumimoji="1" lang="ja-JP" altLang="en-US" smtClean="0"/>
-              <a:t>2023/6/13</a:t>
+              <a:t>2023/6/14</a:t>
             </a:fld>
             <a:endParaRPr kumimoji="1" lang="ja-JP" altLang="en-US"/>
           </a:p>
@@ -2831,7 +2863,7 @@
           <a:p>
             <a:fld id="{1FA9187C-4DE0-4CE3-96AB-364AA8EDF057}" type="datetimeFigureOut">
               <a:rPr kumimoji="1" lang="ja-JP" altLang="en-US" smtClean="0"/>
-              <a:t>2023/6/13</a:t>
+              <a:t>2023/6/14</a:t>
             </a:fld>
             <a:endParaRPr kumimoji="1" lang="ja-JP" altLang="en-US"/>
           </a:p>
@@ -3127,7 +3159,7 @@
           <a:p>
             <a:fld id="{1FA9187C-4DE0-4CE3-96AB-364AA8EDF057}" type="datetimeFigureOut">
               <a:rPr kumimoji="1" lang="ja-JP" altLang="en-US" smtClean="0"/>
-              <a:t>2023/6/13</a:t>
+              <a:t>2023/6/14</a:t>
             </a:fld>
             <a:endParaRPr kumimoji="1" lang="ja-JP" altLang="en-US"/>
           </a:p>
@@ -3558,7 +3590,7 @@
           <a:p>
             <a:fld id="{1FA9187C-4DE0-4CE3-96AB-364AA8EDF057}" type="datetimeFigureOut">
               <a:rPr kumimoji="1" lang="ja-JP" altLang="en-US" smtClean="0"/>
-              <a:t>2023/6/13</a:t>
+              <a:t>2023/6/14</a:t>
             </a:fld>
             <a:endParaRPr kumimoji="1" lang="ja-JP" altLang="en-US"/>
           </a:p>
@@ -3676,7 +3708,7 @@
           <a:p>
             <a:fld id="{1FA9187C-4DE0-4CE3-96AB-364AA8EDF057}" type="datetimeFigureOut">
               <a:rPr kumimoji="1" lang="ja-JP" altLang="en-US" smtClean="0"/>
-              <a:t>2023/6/13</a:t>
+              <a:t>2023/6/14</a:t>
             </a:fld>
             <a:endParaRPr kumimoji="1" lang="ja-JP" altLang="en-US"/>
           </a:p>
@@ -3771,7 +3803,7 @@
           <a:p>
             <a:fld id="{1FA9187C-4DE0-4CE3-96AB-364AA8EDF057}" type="datetimeFigureOut">
               <a:rPr kumimoji="1" lang="ja-JP" altLang="en-US" smtClean="0"/>
-              <a:t>2023/6/13</a:t>
+              <a:t>2023/6/14</a:t>
             </a:fld>
             <a:endParaRPr kumimoji="1" lang="ja-JP" altLang="en-US"/>
           </a:p>
@@ -4080,7 +4112,7 @@
           <a:p>
             <a:fld id="{1FA9187C-4DE0-4CE3-96AB-364AA8EDF057}" type="datetimeFigureOut">
               <a:rPr kumimoji="1" lang="ja-JP" altLang="en-US" smtClean="0"/>
-              <a:t>2023/6/13</a:t>
+              <a:t>2023/6/14</a:t>
             </a:fld>
             <a:endParaRPr kumimoji="1" lang="ja-JP" altLang="en-US"/>
           </a:p>
@@ -4337,7 +4369,7 @@
           <a:p>
             <a:fld id="{1FA9187C-4DE0-4CE3-96AB-364AA8EDF057}" type="datetimeFigureOut">
               <a:rPr kumimoji="1" lang="ja-JP" altLang="en-US" smtClean="0"/>
-              <a:t>2023/6/13</a:t>
+              <a:t>2023/6/14</a:t>
             </a:fld>
             <a:endParaRPr kumimoji="1" lang="ja-JP" altLang="en-US"/>
           </a:p>
@@ -4582,7 +4614,7 @@
           <a:p>
             <a:fld id="{1FA9187C-4DE0-4CE3-96AB-364AA8EDF057}" type="datetimeFigureOut">
               <a:rPr kumimoji="1" lang="ja-JP" altLang="en-US" smtClean="0"/>
-              <a:t>2023/6/13</a:t>
+              <a:t>2023/6/14</a:t>
             </a:fld>
             <a:endParaRPr kumimoji="1" lang="ja-JP" altLang="en-US"/>
           </a:p>
@@ -4989,10 +5021,10 @@
       </p:grpSpPr>
       <p:pic>
         <p:nvPicPr>
-          <p:cNvPr id="5" name="図 4" descr="電子機器, 回路 が含まれている画像&#10;&#10;自動的に生成された説明">
+          <p:cNvPr id="3" name="図 2" descr="電子機器の部品&#10;&#10;低い精度で自動的に生成された説明">
             <a:extLst>
               <a:ext uri="{FF2B5EF4-FFF2-40B4-BE49-F238E27FC236}">
-                <a16:creationId xmlns:a16="http://schemas.microsoft.com/office/drawing/2014/main" id="{D3E61C9F-3877-5BC3-BBB4-97947887D713}"/>
+                <a16:creationId xmlns:a16="http://schemas.microsoft.com/office/drawing/2014/main" id="{4D110BC1-293B-6E92-BCF7-4B20D2D1D46C}"/>
               </a:ext>
             </a:extLst>
           </p:cNvPr>
@@ -5009,7 +5041,7 @@
         </p:blipFill>
         <p:spPr>
           <a:xfrm>
-            <a:off x="14748" y="511322"/>
+            <a:off x="0" y="511322"/>
             <a:ext cx="14400213" cy="9600142"/>
           </a:xfrm>
           <a:prstGeom prst="rect">
